--- a/中特/复习ppt/刘娜娜-绪论.pptx
+++ b/中特/复习ppt/刘娜娜-绪论.pptx
@@ -5,10 +5,10 @@
     <p:sldMasterId id="2147483697" r:id="rId1"/>
   </p:sldMasterIdLst>
   <p:notesMasterIdLst>
-    <p:notesMasterId r:id="rId32"/>
+    <p:notesMasterId r:id="rId31"/>
   </p:notesMasterIdLst>
   <p:handoutMasterIdLst>
-    <p:handoutMasterId r:id="rId33"/>
+    <p:handoutMasterId r:id="rId32"/>
   </p:handoutMasterIdLst>
   <p:sldIdLst>
     <p:sldId id="4573" r:id="rId2"/>
@@ -16,36 +16,35 @@
     <p:sldId id="4561" r:id="rId4"/>
     <p:sldId id="4574" r:id="rId5"/>
     <p:sldId id="4546" r:id="rId6"/>
-    <p:sldId id="4638" r:id="rId7"/>
-    <p:sldId id="4577" r:id="rId8"/>
-    <p:sldId id="4578" r:id="rId9"/>
-    <p:sldId id="4582" r:id="rId10"/>
-    <p:sldId id="4639" r:id="rId11"/>
-    <p:sldId id="4584" r:id="rId12"/>
-    <p:sldId id="4585" r:id="rId13"/>
-    <p:sldId id="4586" r:id="rId14"/>
-    <p:sldId id="4587" r:id="rId15"/>
-    <p:sldId id="4588" r:id="rId16"/>
-    <p:sldId id="4589" r:id="rId17"/>
-    <p:sldId id="4590" r:id="rId18"/>
-    <p:sldId id="4591" r:id="rId19"/>
-    <p:sldId id="4592" r:id="rId20"/>
-    <p:sldId id="4601" r:id="rId21"/>
-    <p:sldId id="4593" r:id="rId22"/>
-    <p:sldId id="4594" r:id="rId23"/>
-    <p:sldId id="4595" r:id="rId24"/>
-    <p:sldId id="4596" r:id="rId25"/>
-    <p:sldId id="4597" r:id="rId26"/>
-    <p:sldId id="4598" r:id="rId27"/>
-    <p:sldId id="4599" r:id="rId28"/>
-    <p:sldId id="4604" r:id="rId29"/>
-    <p:sldId id="4579" r:id="rId30"/>
-    <p:sldId id="4608" r:id="rId31"/>
+    <p:sldId id="4577" r:id="rId7"/>
+    <p:sldId id="4578" r:id="rId8"/>
+    <p:sldId id="4582" r:id="rId9"/>
+    <p:sldId id="4639" r:id="rId10"/>
+    <p:sldId id="4584" r:id="rId11"/>
+    <p:sldId id="4585" r:id="rId12"/>
+    <p:sldId id="4586" r:id="rId13"/>
+    <p:sldId id="4587" r:id="rId14"/>
+    <p:sldId id="4588" r:id="rId15"/>
+    <p:sldId id="4589" r:id="rId16"/>
+    <p:sldId id="4590" r:id="rId17"/>
+    <p:sldId id="4591" r:id="rId18"/>
+    <p:sldId id="4592" r:id="rId19"/>
+    <p:sldId id="4601" r:id="rId20"/>
+    <p:sldId id="4593" r:id="rId21"/>
+    <p:sldId id="4594" r:id="rId22"/>
+    <p:sldId id="4595" r:id="rId23"/>
+    <p:sldId id="4596" r:id="rId24"/>
+    <p:sldId id="4597" r:id="rId25"/>
+    <p:sldId id="4598" r:id="rId26"/>
+    <p:sldId id="4599" r:id="rId27"/>
+    <p:sldId id="4604" r:id="rId28"/>
+    <p:sldId id="4579" r:id="rId29"/>
+    <p:sldId id="4608" r:id="rId30"/>
   </p:sldIdLst>
   <p:sldSz cx="12858750" cy="7232650"/>
   <p:notesSz cx="6858000" cy="9144000"/>
   <p:custDataLst>
-    <p:tags r:id="rId34"/>
+    <p:tags r:id="rId33"/>
   </p:custDataLst>
   <p:defaultTextStyle>
     <a:defPPr>
@@ -296,7 +295,7 @@
           <a:p>
             <a:fld id="{E9630DBF-D010-4114-9DE3-41E342A27C18}" type="datetimeFigureOut">
               <a:rPr lang="zh-CN" altLang="en-US" smtClean="0"/>
-              <a:t>21/1/2</a:t>
+              <a:t>21/1/3</a:t>
             </a:fld>
             <a:endParaRPr lang="zh-CN" altLang="en-US"/>
           </a:p>
@@ -470,7 +469,7 @@
               <a:pPr>
                 <a:defRPr/>
               </a:pPr>
-              <a:t>21/1/2</a:t>
+              <a:t>21/1/3</a:t>
             </a:fld>
             <a:endParaRPr lang="zh-CN" altLang="en-US"/>
           </a:p>
@@ -1048,90 +1047,6 @@
       </p:grpSpPr>
       <p:sp>
         <p:nvSpPr>
-          <p:cNvPr id="2" name="幻灯片图像占位符 1"/>
-          <p:cNvSpPr>
-            <a:spLocks noGrp="1" noRot="1" noChangeAspect="1"/>
-          </p:cNvSpPr>
-          <p:nvPr>
-            <p:ph type="sldImg"/>
-          </p:nvPr>
-        </p:nvSpPr>
-        <p:spPr/>
-      </p:sp>
-      <p:sp>
-        <p:nvSpPr>
-          <p:cNvPr id="3" name="备注占位符 2"/>
-          <p:cNvSpPr>
-            <a:spLocks noGrp="1"/>
-          </p:cNvSpPr>
-          <p:nvPr>
-            <p:ph type="body" idx="1"/>
-          </p:nvPr>
-        </p:nvSpPr>
-        <p:spPr/>
-        <p:txBody>
-          <a:bodyPr/>
-          <a:lstStyle/>
-          <a:p>
-            <a:endParaRPr lang="zh-CN" altLang="en-US"/>
-          </a:p>
-        </p:txBody>
-      </p:sp>
-      <p:sp>
-        <p:nvSpPr>
-          <p:cNvPr id="4" name="灯片编号占位符 3"/>
-          <p:cNvSpPr>
-            <a:spLocks noGrp="1"/>
-          </p:cNvSpPr>
-          <p:nvPr>
-            <p:ph type="sldNum" sz="quarter" idx="10"/>
-          </p:nvPr>
-        </p:nvSpPr>
-        <p:spPr/>
-        <p:txBody>
-          <a:bodyPr/>
-          <a:lstStyle/>
-          <a:p>
-            <a:fld id="{63EF2083-0386-4B43-BE3F-5071C6BB4FA7}" type="slidenum">
-              <a:rPr lang="zh-CN" altLang="en-US" smtClean="0"/>
-              <a:t>6</a:t>
-            </a:fld>
-            <a:endParaRPr lang="zh-CN" altLang="en-US"/>
-          </a:p>
-        </p:txBody>
-      </p:sp>
-    </p:spTree>
-    <p:extLst>
-      <p:ext uri="{BB962C8B-B14F-4D97-AF65-F5344CB8AC3E}">
-        <p14:creationId xmlns:p14="http://schemas.microsoft.com/office/powerpoint/2010/main" val="948734088"/>
-      </p:ext>
-    </p:extLst>
-  </p:cSld>
-  <p:clrMapOvr>
-    <a:masterClrMapping/>
-  </p:clrMapOvr>
-</p:notes>
-</file>
-
-<file path=ppt/notesSlides/notesSlide5.xml><?xml version="1.0" encoding="utf-8"?>
-<p:notes xmlns:a="http://schemas.openxmlformats.org/drawingml/2006/main" xmlns:r="http://schemas.openxmlformats.org/officeDocument/2006/relationships" xmlns:p="http://schemas.openxmlformats.org/presentationml/2006/main">
-  <p:cSld>
-    <p:spTree>
-      <p:nvGrpSpPr>
-        <p:cNvPr id="1" name=""/>
-        <p:cNvGrpSpPr/>
-        <p:nvPr/>
-      </p:nvGrpSpPr>
-      <p:grpSpPr>
-        <a:xfrm>
-          <a:off x="0" y="0"/>
-          <a:ext cx="0" cy="0"/>
-          <a:chOff x="0" y="0"/>
-          <a:chExt cx="0" cy="0"/>
-        </a:xfrm>
-      </p:grpSpPr>
-      <p:sp>
-        <p:nvSpPr>
           <p:cNvPr id="46081" name="幻灯片图像占位符 1"/>
           <p:cNvSpPr>
             <a:spLocks noGrp="1" noRot="1" noChangeAspect="1"/>
@@ -1230,7 +1145,7 @@
                   <a:spcPct val="0"/>
                 </a:spcAft>
               </a:pPr>
-              <a:t>12</a:t>
+              <a:t>11</a:t>
             </a:fld>
             <a:endParaRPr lang="en-US" altLang="zh-CN">
               <a:solidFill>
@@ -1253,7 +1168,7 @@
 </p:notes>
 </file>
 
-<file path=ppt/notesSlides/notesSlide6.xml><?xml version="1.0" encoding="utf-8"?>
+<file path=ppt/notesSlides/notesSlide5.xml><?xml version="1.0" encoding="utf-8"?>
 <p:notes xmlns:a="http://schemas.openxmlformats.org/drawingml/2006/main" xmlns:r="http://schemas.openxmlformats.org/officeDocument/2006/relationships" xmlns:p="http://schemas.openxmlformats.org/presentationml/2006/main">
   <p:cSld>
     <p:spTree>
@@ -1319,7 +1234,7 @@
             <a:fld id="{418F03C3-53C1-4F10-8DAF-D1F318E96C6E}" type="slidenum">
               <a:rPr lang="zh-CN" altLang="en-US" smtClean="0"/>
               <a:pPr/>
-              <a:t>29</a:t>
+              <a:t>28</a:t>
             </a:fld>
             <a:endParaRPr lang="zh-CN" altLang="en-US"/>
           </a:p>
@@ -1372,7 +1287,7 @@
           <a:p>
             <a:fld id="{32BF82D2-7A68-459D-A996-9BDDA2518FA4}" type="datetimeFigureOut">
               <a:rPr lang="zh-CN" altLang="en-US" smtClean="0"/>
-              <a:t>21/1/2</a:t>
+              <a:t>21/1/3</a:t>
             </a:fld>
             <a:endParaRPr lang="zh-CN" altLang="en-US"/>
           </a:p>
@@ -1503,7 +1418,7 @@
                 </a:solidFill>
               </a:rPr>
               <a:pPr/>
-              <a:t>21/1/2</a:t>
+              <a:t>21/1/3</a:t>
             </a:fld>
             <a:endParaRPr lang="zh-CN" altLang="en-US">
               <a:solidFill>
@@ -1716,7 +1631,7 @@
               <a:pPr>
                 <a:defRPr/>
               </a:pPr>
-              <a:t>21/1/2</a:t>
+              <a:t>21/1/3</a:t>
             </a:fld>
             <a:endParaRPr lang="zh-CN" altLang="en-US"/>
           </a:p>
@@ -1914,7 +1829,7 @@
           <a:p>
             <a:fld id="{32BF82D2-7A68-459D-A996-9BDDA2518FA4}" type="datetimeFigureOut">
               <a:rPr lang="zh-CN" altLang="en-US" smtClean="0"/>
-              <a:t>21/1/2</a:t>
+              <a:t>21/1/3</a:t>
             </a:fld>
             <a:endParaRPr lang="zh-CN" altLang="en-US"/>
           </a:p>
@@ -3632,233 +3547,6 @@
       </p:grpSpPr>
       <p:sp>
         <p:nvSpPr>
-          <p:cNvPr id="41989" name="矩形 7"/>
-          <p:cNvSpPr>
-            <a:spLocks noChangeArrowheads="1"/>
-          </p:cNvSpPr>
-          <p:nvPr/>
-        </p:nvSpPr>
-        <p:spPr bwMode="auto">
-          <a:xfrm>
-            <a:off x="658566" y="102686"/>
-            <a:ext cx="9619505" cy="649600"/>
-          </a:xfrm>
-          <a:prstGeom prst="rect">
-            <a:avLst/>
-          </a:prstGeom>
-          <a:noFill/>
-          <a:ln w="9525">
-            <a:noFill/>
-            <a:miter lim="800000"/>
-            <a:headEnd/>
-            <a:tailEnd/>
-          </a:ln>
-        </p:spPr>
-        <p:txBody>
-          <a:bodyPr lIns="128583" tIns="64291" rIns="128583" bIns="64291">
-            <a:spAutoFit/>
-          </a:bodyPr>
-          <a:lstStyle/>
-          <a:p>
-            <a:r>
-              <a:rPr lang="zh-CN" altLang="en-US" sz="3400">
-                <a:solidFill>
-                  <a:schemeClr val="bg1"/>
-                </a:solidFill>
-                <a:latin typeface="微软雅黑" charset="-122"/>
-                <a:ea typeface="微软雅黑" charset="-122"/>
-              </a:rPr>
-              <a:t>马恩对空想社会主义的一段评价</a:t>
-            </a:r>
-          </a:p>
-        </p:txBody>
-      </p:sp>
-      <p:sp>
-        <p:nvSpPr>
-          <p:cNvPr id="41990" name="矩形 10"/>
-          <p:cNvSpPr>
-            <a:spLocks noChangeArrowheads="1"/>
-          </p:cNvSpPr>
-          <p:nvPr/>
-        </p:nvSpPr>
-        <p:spPr bwMode="auto">
-          <a:xfrm>
-            <a:off x="681512" y="427486"/>
-            <a:ext cx="11541621" cy="6223814"/>
-          </a:xfrm>
-          <a:prstGeom prst="rect">
-            <a:avLst/>
-          </a:prstGeom>
-          <a:noFill/>
-          <a:ln w="9525">
-            <a:noFill/>
-            <a:miter lim="800000"/>
-            <a:headEnd/>
-            <a:tailEnd/>
-          </a:ln>
-        </p:spPr>
-        <p:txBody>
-          <a:bodyPr lIns="128583" tIns="64291" rIns="128583" bIns="64291">
-            <a:spAutoFit/>
-          </a:bodyPr>
-          <a:lstStyle/>
-          <a:p>
-            <a:pPr algn="just">
-              <a:lnSpc>
-                <a:spcPct val="150000"/>
-              </a:lnSpc>
-            </a:pPr>
-            <a:r>
-              <a:rPr lang="zh-CN" altLang="en-US" sz="2400" dirty="0">
-                <a:latin typeface="Times New Roman" pitchFamily="18" charset="0"/>
-                <a:ea typeface="微软雅黑" charset="-122"/>
-                <a:cs typeface="Times New Roman" pitchFamily="18" charset="0"/>
-              </a:rPr>
-              <a:t>圣西门、傅立叶和欧文虽然看到了资本主义社会中的斗争，但是他们企图超越阶级对立，</a:t>
-            </a:r>
-            <a:r>
-              <a:rPr lang="zh-CN" altLang="en-US" sz="2400" dirty="0">
-                <a:solidFill>
-                  <a:srgbClr val="FF0000"/>
-                </a:solidFill>
-                <a:latin typeface="Times New Roman" pitchFamily="18" charset="0"/>
-                <a:ea typeface="微软雅黑" charset="-122"/>
-                <a:cs typeface="Times New Roman" pitchFamily="18" charset="0"/>
-              </a:rPr>
-              <a:t>通过说服教育、示范等方法来建立诚信、和谐社会制度</a:t>
-            </a:r>
-            <a:r>
-              <a:rPr lang="zh-CN" altLang="en-US" sz="2400" dirty="0">
-                <a:latin typeface="Times New Roman" pitchFamily="18" charset="0"/>
-                <a:ea typeface="微软雅黑" charset="-122"/>
-                <a:cs typeface="Times New Roman" pitchFamily="18" charset="0"/>
-              </a:rPr>
-              <a:t>，否定阶级斗争和无产阶级行动。</a:t>
-            </a:r>
-          </a:p>
-          <a:p>
-            <a:pPr algn="just">
-              <a:lnSpc>
-                <a:spcPct val="150000"/>
-              </a:lnSpc>
-            </a:pPr>
-            <a:endParaRPr lang="zh-CN" altLang="en-US" sz="2400" dirty="0">
-              <a:latin typeface="Times New Roman" pitchFamily="18" charset="0"/>
-              <a:ea typeface="微软雅黑" charset="-122"/>
-              <a:cs typeface="Times New Roman" pitchFamily="18" charset="0"/>
-            </a:endParaRPr>
-          </a:p>
-          <a:p>
-            <a:pPr algn="just">
-              <a:lnSpc>
-                <a:spcPct val="150000"/>
-              </a:lnSpc>
-            </a:pPr>
-            <a:endParaRPr lang="zh-CN" altLang="en-US" sz="2400" dirty="0">
-              <a:latin typeface="Times New Roman" pitchFamily="18" charset="0"/>
-              <a:ea typeface="微软雅黑" charset="-122"/>
-              <a:cs typeface="Times New Roman" pitchFamily="18" charset="0"/>
-            </a:endParaRPr>
-          </a:p>
-          <a:p>
-            <a:pPr algn="just">
-              <a:lnSpc>
-                <a:spcPct val="150000"/>
-              </a:lnSpc>
-            </a:pPr>
-            <a:r>
-              <a:rPr lang="zh-CN" altLang="en-US" sz="2400" dirty="0">
-                <a:latin typeface="Times New Roman" pitchFamily="18" charset="0"/>
-                <a:ea typeface="微软雅黑" charset="-122"/>
-                <a:cs typeface="Times New Roman" pitchFamily="18" charset="0"/>
-              </a:rPr>
-              <a:t>那时无产阶级对资产阶级斗争还处于很不发展的</a:t>
-            </a:r>
-            <a:r>
-              <a:rPr lang="zh-CN" altLang="en-US" sz="2400" dirty="0">
-                <a:solidFill>
-                  <a:srgbClr val="FF0000"/>
-                </a:solidFill>
-                <a:latin typeface="Times New Roman" pitchFamily="18" charset="0"/>
-                <a:ea typeface="微软雅黑" charset="-122"/>
-                <a:cs typeface="Times New Roman" pitchFamily="18" charset="0"/>
-                <a:hlinkClick r:id="rId2" action="ppaction://hlinksldjump"/>
-              </a:rPr>
-              <a:t>自发斗争</a:t>
-            </a:r>
-            <a:r>
-              <a:rPr lang="zh-CN" altLang="en-US" sz="2400" dirty="0">
-                <a:latin typeface="Times New Roman" pitchFamily="18" charset="0"/>
-                <a:ea typeface="微软雅黑" charset="-122"/>
-                <a:cs typeface="Times New Roman" pitchFamily="18" charset="0"/>
-              </a:rPr>
-              <a:t>时期，无产阶级还未开展有组织的政治斗争，空想社会主义者不可能看到阶级斗争和无产阶级革命行动的伟大意义，同时由于他们的阶级局限性，</a:t>
-            </a:r>
-            <a:r>
-              <a:rPr lang="zh-CN" altLang="en-US" sz="2400" dirty="0">
-                <a:solidFill>
-                  <a:srgbClr val="FF0000"/>
-                </a:solidFill>
-                <a:latin typeface="Times New Roman" pitchFamily="18" charset="0"/>
-                <a:ea typeface="微软雅黑" charset="-122"/>
-                <a:cs typeface="Times New Roman" pitchFamily="18" charset="0"/>
-              </a:rPr>
-              <a:t>他们认为，他们的计划对所有人都是有利的，</a:t>
-            </a:r>
-            <a:r>
-              <a:rPr lang="zh-CN" altLang="en-US" sz="2400" dirty="0">
-                <a:latin typeface="Times New Roman" pitchFamily="18" charset="0"/>
-                <a:ea typeface="微软雅黑" charset="-122"/>
-                <a:cs typeface="Times New Roman" pitchFamily="18" charset="0"/>
-              </a:rPr>
-              <a:t>只要通过宣传，就可以使包括统治阶级在内的所有人都接受他们的主张，从而建立未来美好的社会。</a:t>
-            </a:r>
-            <a:r>
-              <a:rPr lang="zh-CN" altLang="en-US" sz="2400" i="1" dirty="0">
-                <a:latin typeface="Times New Roman" pitchFamily="18" charset="0"/>
-                <a:ea typeface="微软雅黑" charset="-122"/>
-                <a:cs typeface="Times New Roman" pitchFamily="18" charset="0"/>
-              </a:rPr>
-              <a:t>比如傅立叶认为推行自己的社会实验、建立一个和谐的“法郎吉”社会需要富人慷慨解囊。</a:t>
-            </a:r>
-          </a:p>
-        </p:txBody>
-      </p:sp>
-    </p:spTree>
-    <p:extLst>
-      <p:ext uri="{BB962C8B-B14F-4D97-AF65-F5344CB8AC3E}">
-        <p14:creationId xmlns:p14="http://schemas.microsoft.com/office/powerpoint/2010/main" val="2977129990"/>
-      </p:ext>
-    </p:extLst>
-  </p:cSld>
-  <p:clrMapOvr>
-    <a:masterClrMapping/>
-  </p:clrMapOvr>
-  <p:transition spd="med">
-    <p:fade/>
-  </p:transition>
-</p:sld>
-</file>
-
-<file path=ppt/slides/slide11.xml><?xml version="1.0" encoding="utf-8"?>
-<p:sld xmlns:a="http://schemas.openxmlformats.org/drawingml/2006/main" xmlns:r="http://schemas.openxmlformats.org/officeDocument/2006/relationships" xmlns:p="http://schemas.openxmlformats.org/presentationml/2006/main">
-  <p:cSld>
-    <p:spTree>
-      <p:nvGrpSpPr>
-        <p:cNvPr id="1" name=""/>
-        <p:cNvGrpSpPr/>
-        <p:nvPr/>
-      </p:nvGrpSpPr>
-      <p:grpSpPr>
-        <a:xfrm>
-          <a:off x="0" y="0"/>
-          <a:ext cx="0" cy="0"/>
-          <a:chOff x="0" y="0"/>
-          <a:chExt cx="0" cy="0"/>
-        </a:xfrm>
-      </p:grpSpPr>
-      <p:sp>
-        <p:nvSpPr>
           <p:cNvPr id="44037" name="矩形 5"/>
           <p:cNvSpPr>
             <a:spLocks noChangeArrowheads="1"/>
@@ -5285,7 +4973,7 @@
 </p:sld>
 </file>
 
-<file path=ppt/slides/slide12.xml><?xml version="1.0" encoding="utf-8"?>
+<file path=ppt/slides/slide11.xml><?xml version="1.0" encoding="utf-8"?>
 <p:sld xmlns:a="http://schemas.openxmlformats.org/drawingml/2006/main" xmlns:r="http://schemas.openxmlformats.org/officeDocument/2006/relationships" xmlns:p="http://schemas.openxmlformats.org/presentationml/2006/main">
   <p:cSld>
     <p:spTree>
@@ -7048,7 +6736,7 @@
 </p:sld>
 </file>
 
-<file path=ppt/slides/slide13.xml><?xml version="1.0" encoding="utf-8"?>
+<file path=ppt/slides/slide12.xml><?xml version="1.0" encoding="utf-8"?>
 <p:sld xmlns:a="http://schemas.openxmlformats.org/drawingml/2006/main" xmlns:r="http://schemas.openxmlformats.org/officeDocument/2006/relationships" xmlns:p="http://schemas.openxmlformats.org/presentationml/2006/main">
   <p:cSld>
     <p:spTree>
@@ -8235,7 +7923,7 @@
 </p:sld>
 </file>
 
-<file path=ppt/slides/slide14.xml><?xml version="1.0" encoding="utf-8"?>
+<file path=ppt/slides/slide13.xml><?xml version="1.0" encoding="utf-8"?>
 <p:sld xmlns:a="http://schemas.openxmlformats.org/drawingml/2006/main" xmlns:r="http://schemas.openxmlformats.org/officeDocument/2006/relationships" xmlns:p="http://schemas.openxmlformats.org/presentationml/2006/main">
   <p:cSld>
     <p:spTree>
@@ -8672,7 +8360,7 @@
 </p:sld>
 </file>
 
-<file path=ppt/slides/slide15.xml><?xml version="1.0" encoding="utf-8"?>
+<file path=ppt/slides/slide14.xml><?xml version="1.0" encoding="utf-8"?>
 <p:sld xmlns:a="http://schemas.openxmlformats.org/drawingml/2006/main" xmlns:r="http://schemas.openxmlformats.org/officeDocument/2006/relationships" xmlns:p="http://schemas.openxmlformats.org/presentationml/2006/main">
   <p:cSld>
     <p:spTree>
@@ -9042,7 +8730,7 @@
 </p:sld>
 </file>
 
-<file path=ppt/slides/slide16.xml><?xml version="1.0" encoding="utf-8"?>
+<file path=ppt/slides/slide15.xml><?xml version="1.0" encoding="utf-8"?>
 <p:sld xmlns:a="http://schemas.openxmlformats.org/drawingml/2006/main" xmlns:r="http://schemas.openxmlformats.org/officeDocument/2006/relationships" xmlns:p="http://schemas.openxmlformats.org/presentationml/2006/main">
   <p:cSld>
     <p:spTree>
@@ -9925,7 +9613,7 @@
 </p:sld>
 </file>
 
-<file path=ppt/slides/slide17.xml><?xml version="1.0" encoding="utf-8"?>
+<file path=ppt/slides/slide16.xml><?xml version="1.0" encoding="utf-8"?>
 <p:sld xmlns:a="http://schemas.openxmlformats.org/drawingml/2006/main" xmlns:r="http://schemas.openxmlformats.org/officeDocument/2006/relationships" xmlns:p="http://schemas.openxmlformats.org/presentationml/2006/main">
   <p:cSld>
     <p:spTree>
@@ -10320,7 +10008,7 @@
 </p:sld>
 </file>
 
-<file path=ppt/slides/slide18.xml><?xml version="1.0" encoding="utf-8"?>
+<file path=ppt/slides/slide17.xml><?xml version="1.0" encoding="utf-8"?>
 <p:sld xmlns:a="http://schemas.openxmlformats.org/drawingml/2006/main" xmlns:r="http://schemas.openxmlformats.org/officeDocument/2006/relationships" xmlns:p="http://schemas.openxmlformats.org/presentationml/2006/main">
   <p:cSld>
     <p:spTree>
@@ -10736,7 +10424,7 @@
 </p:sld>
 </file>
 
-<file path=ppt/slides/slide19.xml><?xml version="1.0" encoding="utf-8"?>
+<file path=ppt/slides/slide18.xml><?xml version="1.0" encoding="utf-8"?>
 <p:sld xmlns:a="http://schemas.openxmlformats.org/drawingml/2006/main" xmlns:r="http://schemas.openxmlformats.org/officeDocument/2006/relationships" xmlns:p="http://schemas.openxmlformats.org/presentationml/2006/main">
   <p:cSld>
     <p:spTree>
@@ -11112,6 +10800,521 @@
         </p:cTn>
       </p:par>
     </p:tnLst>
+  </p:timing>
+</p:sld>
+</file>
+
+<file path=ppt/slides/slide19.xml><?xml version="1.0" encoding="utf-8"?>
+<p:sld xmlns:a="http://schemas.openxmlformats.org/drawingml/2006/main" xmlns:r="http://schemas.openxmlformats.org/officeDocument/2006/relationships" xmlns:p="http://schemas.openxmlformats.org/presentationml/2006/main">
+  <p:cSld>
+    <p:spTree>
+      <p:nvGrpSpPr>
+        <p:cNvPr id="1" name=""/>
+        <p:cNvGrpSpPr/>
+        <p:nvPr/>
+      </p:nvGrpSpPr>
+      <p:grpSpPr>
+        <a:xfrm>
+          <a:off x="0" y="0"/>
+          <a:ext cx="0" cy="0"/>
+          <a:chOff x="0" y="0"/>
+          <a:chExt cx="0" cy="0"/>
+        </a:xfrm>
+      </p:grpSpPr>
+      <p:sp>
+        <p:nvSpPr>
+          <p:cNvPr id="54277" name="矩形 5"/>
+          <p:cNvSpPr>
+            <a:spLocks noChangeArrowheads="1"/>
+          </p:cNvSpPr>
+          <p:nvPr/>
+        </p:nvSpPr>
+        <p:spPr bwMode="auto">
+          <a:xfrm>
+            <a:off x="1698874" y="1995676"/>
+            <a:ext cx="9798099" cy="4803908"/>
+          </a:xfrm>
+          <a:prstGeom prst="rect">
+            <a:avLst/>
+          </a:prstGeom>
+          <a:noFill/>
+          <a:ln w="9525">
+            <a:noFill/>
+            <a:miter lim="800000"/>
+            <a:headEnd/>
+            <a:tailEnd/>
+          </a:ln>
+        </p:spPr>
+        <p:txBody>
+          <a:bodyPr lIns="128583" tIns="64291" rIns="128583" bIns="64291">
+            <a:spAutoFit/>
+          </a:bodyPr>
+          <a:lstStyle/>
+          <a:p>
+            <a:pPr>
+              <a:lnSpc>
+                <a:spcPct val="150000"/>
+              </a:lnSpc>
+            </a:pPr>
+            <a:r>
+              <a:rPr lang="zh-CN" altLang="en-US" sz="3400" b="1" dirty="0">
+                <a:latin typeface="华文楷体" pitchFamily="2" charset="-122"/>
+                <a:ea typeface="华文楷体" pitchFamily="2" charset="-122"/>
+              </a:rPr>
+              <a:t>“资本主义</a:t>
+            </a:r>
+            <a:r>
+              <a:rPr lang="en-US" altLang="zh-CN" sz="3400" b="1" dirty="0">
+                <a:latin typeface="华文楷体" pitchFamily="2" charset="-122"/>
+                <a:ea typeface="华文楷体" pitchFamily="2" charset="-122"/>
+              </a:rPr>
+              <a:t>……</a:t>
+            </a:r>
+            <a:r>
+              <a:rPr lang="zh-CN" altLang="en-US" sz="3400" b="1" dirty="0">
+                <a:latin typeface="华文楷体" pitchFamily="2" charset="-122"/>
+                <a:ea typeface="华文楷体" pitchFamily="2" charset="-122"/>
+              </a:rPr>
+              <a:t>社会的财富，表现为庞大的商品堆积”</a:t>
+            </a:r>
+            <a:r>
+              <a:rPr lang="en-US" altLang="zh-CN" sz="3400" b="1" dirty="0">
+                <a:latin typeface="华文楷体" pitchFamily="2" charset="-122"/>
+                <a:ea typeface="华文楷体" pitchFamily="2" charset="-122"/>
+              </a:rPr>
+              <a:t>——《</a:t>
+            </a:r>
+            <a:r>
+              <a:rPr lang="zh-CN" altLang="en-US" sz="3400" b="1" dirty="0">
+                <a:latin typeface="华文楷体" pitchFamily="2" charset="-122"/>
+                <a:ea typeface="华文楷体" pitchFamily="2" charset="-122"/>
+              </a:rPr>
+              <a:t>资本论</a:t>
+            </a:r>
+            <a:r>
+              <a:rPr lang="en-US" altLang="zh-CN" sz="3400" b="1" dirty="0">
+                <a:latin typeface="华文楷体" pitchFamily="2" charset="-122"/>
+                <a:ea typeface="华文楷体" pitchFamily="2" charset="-122"/>
+              </a:rPr>
+              <a:t>》</a:t>
+            </a:r>
+          </a:p>
+          <a:p>
+            <a:pPr>
+              <a:lnSpc>
+                <a:spcPct val="150000"/>
+              </a:lnSpc>
+            </a:pPr>
+            <a:endParaRPr lang="en-US" altLang="zh-CN" sz="3400" b="1" dirty="0">
+              <a:latin typeface="微软雅黑" charset="-122"/>
+              <a:ea typeface="微软雅黑" charset="-122"/>
+            </a:endParaRPr>
+          </a:p>
+          <a:p>
+            <a:pPr>
+              <a:lnSpc>
+                <a:spcPct val="150000"/>
+              </a:lnSpc>
+            </a:pPr>
+            <a:r>
+              <a:rPr lang="zh-CN" altLang="en-US" sz="3400" b="1" dirty="0">
+                <a:latin typeface="微软雅黑" charset="-122"/>
+                <a:ea typeface="微软雅黑" charset="-122"/>
+              </a:rPr>
+              <a:t>未来社会要消灭商品和货币</a:t>
+            </a:r>
+            <a:r>
+              <a:rPr lang="en-US" altLang="zh-CN" sz="3400" b="1" dirty="0">
+                <a:latin typeface="微软雅黑" charset="-122"/>
+                <a:ea typeface="微软雅黑" charset="-122"/>
+              </a:rPr>
+              <a:t>,</a:t>
+            </a:r>
+            <a:r>
+              <a:rPr lang="zh-CN" altLang="en-US" sz="3400" b="1" dirty="0">
+                <a:latin typeface="微软雅黑" charset="-122"/>
+                <a:ea typeface="微软雅黑" charset="-122"/>
+              </a:rPr>
+              <a:t>消除商品对生产者的统治，实行产品经济，这是实现人的自由全面发展所必需的基本条件。</a:t>
+            </a:r>
+          </a:p>
+        </p:txBody>
+      </p:sp>
+      <p:grpSp>
+        <p:nvGrpSpPr>
+          <p:cNvPr id="13" name="组合 12"/>
+          <p:cNvGrpSpPr>
+            <a:grpSpLocks/>
+          </p:cNvGrpSpPr>
+          <p:nvPr/>
+        </p:nvGrpSpPr>
+        <p:grpSpPr bwMode="auto">
+          <a:xfrm>
+            <a:off x="859483" y="493340"/>
+            <a:ext cx="7161609" cy="1171956"/>
+            <a:chOff x="4267285" y="2060848"/>
+            <a:chExt cx="4961783" cy="841379"/>
+          </a:xfrm>
+        </p:grpSpPr>
+        <p:sp>
+          <p:nvSpPr>
+            <p:cNvPr id="14" name="TextBox 16"/>
+            <p:cNvSpPr txBox="1"/>
+            <p:nvPr/>
+          </p:nvSpPr>
+          <p:spPr>
+            <a:xfrm>
+              <a:off x="4579716" y="2060848"/>
+              <a:ext cx="4649352" cy="841379"/>
+            </a:xfrm>
+            <a:prstGeom prst="roundRect">
+              <a:avLst>
+                <a:gd name="adj" fmla="val 8176"/>
+              </a:avLst>
+            </a:prstGeom>
+            <a:solidFill>
+              <a:schemeClr val="bg1"/>
+            </a:solidFill>
+            <a:ln w="19050">
+              <a:solidFill>
+                <a:schemeClr val="bg1">
+                  <a:lumMod val="65000"/>
+                </a:schemeClr>
+              </a:solidFill>
+            </a:ln>
+          </p:spPr>
+          <p:txBody>
+            <a:bodyPr wrap="none" anchor="ctr"/>
+            <a:lstStyle/>
+            <a:p>
+              <a:pPr algn="ctr" fontAlgn="auto">
+                <a:spcBef>
+                  <a:spcPts val="0"/>
+                </a:spcBef>
+                <a:spcAft>
+                  <a:spcPts val="0"/>
+                </a:spcAft>
+                <a:defRPr/>
+              </a:pPr>
+              <a:r>
+                <a:rPr lang="zh-CN" altLang="en-US" sz="3900" b="1" dirty="0">
+                  <a:solidFill>
+                    <a:schemeClr val="accent1"/>
+                  </a:solidFill>
+                  <a:latin typeface="微软雅黑" pitchFamily="34" charset="-122"/>
+                  <a:ea typeface="+mn-ea"/>
+                </a:rPr>
+                <a:t>消灭商品，实现产品经济</a:t>
+              </a:r>
+              <a:endParaRPr lang="zh-CN" altLang="en-US" sz="4500" b="1" dirty="0">
+                <a:solidFill>
+                  <a:schemeClr val="accent1"/>
+                </a:solidFill>
+                <a:latin typeface="微软雅黑" pitchFamily="34" charset="-122"/>
+                <a:ea typeface="+mn-ea"/>
+              </a:endParaRPr>
+            </a:p>
+          </p:txBody>
+        </p:sp>
+        <p:sp>
+          <p:nvSpPr>
+            <p:cNvPr id="15" name="椭圆 14"/>
+            <p:cNvSpPr/>
+            <p:nvPr/>
+          </p:nvSpPr>
+          <p:spPr>
+            <a:xfrm>
+              <a:off x="4267285" y="2168224"/>
+              <a:ext cx="624863" cy="626628"/>
+            </a:xfrm>
+            <a:prstGeom prst="ellipse">
+              <a:avLst/>
+            </a:prstGeom>
+            <a:solidFill>
+              <a:schemeClr val="bg1"/>
+            </a:solidFill>
+            <a:ln w="19050">
+              <a:solidFill>
+                <a:schemeClr val="bg1">
+                  <a:lumMod val="65000"/>
+                </a:schemeClr>
+              </a:solidFill>
+            </a:ln>
+          </p:spPr>
+          <p:txBody>
+            <a:bodyPr wrap="none" anchor="ctr"/>
+            <a:lstStyle/>
+            <a:p>
+              <a:pPr algn="ctr" fontAlgn="auto">
+                <a:spcBef>
+                  <a:spcPts val="0"/>
+                </a:spcBef>
+                <a:spcAft>
+                  <a:spcPts val="0"/>
+                </a:spcAft>
+                <a:defRPr/>
+              </a:pPr>
+              <a:r>
+                <a:rPr lang="en-US" altLang="zh-CN" sz="3900" b="1" dirty="0">
+                  <a:solidFill>
+                    <a:schemeClr val="accent1"/>
+                  </a:solidFill>
+                  <a:latin typeface="Arial Unicode MS" pitchFamily="34" charset="-122"/>
+                  <a:ea typeface="Arial Unicode MS" pitchFamily="34" charset="-122"/>
+                  <a:cs typeface="Arial Unicode MS" pitchFamily="34" charset="-122"/>
+                </a:rPr>
+                <a:t>5</a:t>
+              </a:r>
+              <a:endParaRPr lang="zh-CN" altLang="en-US" sz="3900" b="1" dirty="0">
+                <a:solidFill>
+                  <a:schemeClr val="accent1"/>
+                </a:solidFill>
+                <a:latin typeface="Arial Unicode MS" pitchFamily="34" charset="-122"/>
+                <a:ea typeface="Arial Unicode MS" pitchFamily="34" charset="-122"/>
+                <a:cs typeface="Arial Unicode MS" pitchFamily="34" charset="-122"/>
+              </a:endParaRPr>
+            </a:p>
+          </p:txBody>
+        </p:sp>
+      </p:grpSp>
+    </p:spTree>
+    <p:extLst>
+      <p:ext uri="{BB962C8B-B14F-4D97-AF65-F5344CB8AC3E}">
+        <p14:creationId xmlns:p14="http://schemas.microsoft.com/office/powerpoint/2010/main" val="2424979808"/>
+      </p:ext>
+    </p:extLst>
+  </p:cSld>
+  <p:clrMapOvr>
+    <a:masterClrMapping/>
+  </p:clrMapOvr>
+  <p:transition spd="med">
+    <p:fade/>
+  </p:transition>
+  <p:timing>
+    <p:tnLst>
+      <p:par>
+        <p:cTn id="1" dur="indefinite" restart="never" nodeType="tmRoot">
+          <p:childTnLst>
+            <p:seq concurrent="1" nextAc="seek">
+              <p:cTn id="2" dur="indefinite" nodeType="mainSeq">
+                <p:childTnLst>
+                  <p:par>
+                    <p:cTn id="3" fill="hold">
+                      <p:stCondLst>
+                        <p:cond delay="indefinite"/>
+                        <p:cond evt="onBegin" delay="0">
+                          <p:tn val="2"/>
+                        </p:cond>
+                      </p:stCondLst>
+                      <p:childTnLst>
+                        <p:par>
+                          <p:cTn id="4" fill="hold">
+                            <p:stCondLst>
+                              <p:cond delay="0"/>
+                            </p:stCondLst>
+                            <p:childTnLst>
+                              <p:par>
+                                <p:cTn id="5" presetID="2" presetClass="entr" presetSubtype="2" fill="hold" nodeType="afterEffect">
+                                  <p:stCondLst>
+                                    <p:cond delay="0"/>
+                                  </p:stCondLst>
+                                  <p:childTnLst>
+                                    <p:set>
+                                      <p:cBhvr>
+                                        <p:cTn id="6" dur="1" fill="hold">
+                                          <p:stCondLst>
+                                            <p:cond delay="0"/>
+                                          </p:stCondLst>
+                                        </p:cTn>
+                                        <p:tgtEl>
+                                          <p:spTgt spid="13"/>
+                                        </p:tgtEl>
+                                        <p:attrNameLst>
+                                          <p:attrName>style.visibility</p:attrName>
+                                        </p:attrNameLst>
+                                      </p:cBhvr>
+                                      <p:to>
+                                        <p:strVal val="visible"/>
+                                      </p:to>
+                                    </p:set>
+                                    <p:anim calcmode="lin" valueType="num">
+                                      <p:cBhvr additive="base">
+                                        <p:cTn id="7" dur="500" fill="hold"/>
+                                        <p:tgtEl>
+                                          <p:spTgt spid="13"/>
+                                        </p:tgtEl>
+                                        <p:attrNameLst>
+                                          <p:attrName>ppt_x</p:attrName>
+                                        </p:attrNameLst>
+                                      </p:cBhvr>
+                                      <p:tavLst>
+                                        <p:tav tm="0">
+                                          <p:val>
+                                            <p:strVal val="1+#ppt_w/2"/>
+                                          </p:val>
+                                        </p:tav>
+                                        <p:tav tm="100000">
+                                          <p:val>
+                                            <p:strVal val="#ppt_x"/>
+                                          </p:val>
+                                        </p:tav>
+                                      </p:tavLst>
+                                    </p:anim>
+                                    <p:anim calcmode="lin" valueType="num">
+                                      <p:cBhvr additive="base">
+                                        <p:cTn id="8" dur="500" fill="hold"/>
+                                        <p:tgtEl>
+                                          <p:spTgt spid="13"/>
+                                        </p:tgtEl>
+                                        <p:attrNameLst>
+                                          <p:attrName>ppt_y</p:attrName>
+                                        </p:attrNameLst>
+                                      </p:cBhvr>
+                                      <p:tavLst>
+                                        <p:tav tm="0">
+                                          <p:val>
+                                            <p:strVal val="#ppt_y"/>
+                                          </p:val>
+                                        </p:tav>
+                                        <p:tav tm="100000">
+                                          <p:val>
+                                            <p:strVal val="#ppt_y"/>
+                                          </p:val>
+                                        </p:tav>
+                                      </p:tavLst>
+                                    </p:anim>
+                                  </p:childTnLst>
+                                </p:cTn>
+                              </p:par>
+                            </p:childTnLst>
+                          </p:cTn>
+                        </p:par>
+                      </p:childTnLst>
+                    </p:cTn>
+                  </p:par>
+                  <p:par>
+                    <p:cTn id="9" fill="hold">
+                      <p:stCondLst>
+                        <p:cond delay="indefinite"/>
+                      </p:stCondLst>
+                      <p:childTnLst>
+                        <p:par>
+                          <p:cTn id="10" fill="hold">
+                            <p:stCondLst>
+                              <p:cond delay="0"/>
+                            </p:stCondLst>
+                            <p:childTnLst>
+                              <p:par>
+                                <p:cTn id="11" presetID="42" presetClass="entr" presetSubtype="0" fill="hold" grpId="0" nodeType="clickEffect">
+                                  <p:stCondLst>
+                                    <p:cond delay="0"/>
+                                  </p:stCondLst>
+                                  <p:childTnLst>
+                                    <p:set>
+                                      <p:cBhvr>
+                                        <p:cTn id="12" dur="1" fill="hold">
+                                          <p:stCondLst>
+                                            <p:cond delay="0"/>
+                                          </p:stCondLst>
+                                        </p:cTn>
+                                        <p:tgtEl>
+                                          <p:spTgt spid="54277"/>
+                                        </p:tgtEl>
+                                        <p:attrNameLst>
+                                          <p:attrName>style.visibility</p:attrName>
+                                        </p:attrNameLst>
+                                      </p:cBhvr>
+                                      <p:to>
+                                        <p:strVal val="visible"/>
+                                      </p:to>
+                                    </p:set>
+                                    <p:animEffect transition="in" filter="fade">
+                                      <p:cBhvr>
+                                        <p:cTn id="13" dur="1000"/>
+                                        <p:tgtEl>
+                                          <p:spTgt spid="54277"/>
+                                        </p:tgtEl>
+                                      </p:cBhvr>
+                                    </p:animEffect>
+                                    <p:anim calcmode="lin" valueType="num">
+                                      <p:cBhvr>
+                                        <p:cTn id="14" dur="1000" fill="hold"/>
+                                        <p:tgtEl>
+                                          <p:spTgt spid="54277"/>
+                                        </p:tgtEl>
+                                        <p:attrNameLst>
+                                          <p:attrName>ppt_x</p:attrName>
+                                        </p:attrNameLst>
+                                      </p:cBhvr>
+                                      <p:tavLst>
+                                        <p:tav tm="0">
+                                          <p:val>
+                                            <p:strVal val="#ppt_x"/>
+                                          </p:val>
+                                        </p:tav>
+                                        <p:tav tm="100000">
+                                          <p:val>
+                                            <p:strVal val="#ppt_x"/>
+                                          </p:val>
+                                        </p:tav>
+                                      </p:tavLst>
+                                    </p:anim>
+                                    <p:anim calcmode="lin" valueType="num">
+                                      <p:cBhvr>
+                                        <p:cTn id="15" dur="1000" fill="hold"/>
+                                        <p:tgtEl>
+                                          <p:spTgt spid="54277"/>
+                                        </p:tgtEl>
+                                        <p:attrNameLst>
+                                          <p:attrName>ppt_y</p:attrName>
+                                        </p:attrNameLst>
+                                      </p:cBhvr>
+                                      <p:tavLst>
+                                        <p:tav tm="0">
+                                          <p:val>
+                                            <p:strVal val="#ppt_y+.1"/>
+                                          </p:val>
+                                        </p:tav>
+                                        <p:tav tm="100000">
+                                          <p:val>
+                                            <p:strVal val="#ppt_y"/>
+                                          </p:val>
+                                        </p:tav>
+                                      </p:tavLst>
+                                    </p:anim>
+                                  </p:childTnLst>
+                                </p:cTn>
+                              </p:par>
+                            </p:childTnLst>
+                          </p:cTn>
+                        </p:par>
+                      </p:childTnLst>
+                    </p:cTn>
+                  </p:par>
+                </p:childTnLst>
+              </p:cTn>
+              <p:prevCondLst>
+                <p:cond evt="onPrev" delay="0">
+                  <p:tgtEl>
+                    <p:sldTgt/>
+                  </p:tgtEl>
+                </p:cond>
+              </p:prevCondLst>
+              <p:nextCondLst>
+                <p:cond evt="onNext" delay="0">
+                  <p:tgtEl>
+                    <p:sldTgt/>
+                  </p:tgtEl>
+                </p:cond>
+              </p:nextCondLst>
+            </p:seq>
+          </p:childTnLst>
+        </p:cTn>
+      </p:par>
+    </p:tnLst>
+    <p:bldLst>
+      <p:bldP spid="54277" grpId="0"/>
+    </p:bldLst>
   </p:timing>
 </p:sld>
 </file>
@@ -11901,521 +12104,6 @@
       </p:grpSpPr>
       <p:sp>
         <p:nvSpPr>
-          <p:cNvPr id="54277" name="矩形 5"/>
-          <p:cNvSpPr>
-            <a:spLocks noChangeArrowheads="1"/>
-          </p:cNvSpPr>
-          <p:nvPr/>
-        </p:nvSpPr>
-        <p:spPr bwMode="auto">
-          <a:xfrm>
-            <a:off x="1698874" y="1995676"/>
-            <a:ext cx="9798099" cy="4803908"/>
-          </a:xfrm>
-          <a:prstGeom prst="rect">
-            <a:avLst/>
-          </a:prstGeom>
-          <a:noFill/>
-          <a:ln w="9525">
-            <a:noFill/>
-            <a:miter lim="800000"/>
-            <a:headEnd/>
-            <a:tailEnd/>
-          </a:ln>
-        </p:spPr>
-        <p:txBody>
-          <a:bodyPr lIns="128583" tIns="64291" rIns="128583" bIns="64291">
-            <a:spAutoFit/>
-          </a:bodyPr>
-          <a:lstStyle/>
-          <a:p>
-            <a:pPr>
-              <a:lnSpc>
-                <a:spcPct val="150000"/>
-              </a:lnSpc>
-            </a:pPr>
-            <a:r>
-              <a:rPr lang="zh-CN" altLang="en-US" sz="3400" b="1" dirty="0">
-                <a:latin typeface="华文楷体" pitchFamily="2" charset="-122"/>
-                <a:ea typeface="华文楷体" pitchFamily="2" charset="-122"/>
-              </a:rPr>
-              <a:t>“资本主义</a:t>
-            </a:r>
-            <a:r>
-              <a:rPr lang="en-US" altLang="zh-CN" sz="3400" b="1" dirty="0">
-                <a:latin typeface="华文楷体" pitchFamily="2" charset="-122"/>
-                <a:ea typeface="华文楷体" pitchFamily="2" charset="-122"/>
-              </a:rPr>
-              <a:t>……</a:t>
-            </a:r>
-            <a:r>
-              <a:rPr lang="zh-CN" altLang="en-US" sz="3400" b="1" dirty="0">
-                <a:latin typeface="华文楷体" pitchFamily="2" charset="-122"/>
-                <a:ea typeface="华文楷体" pitchFamily="2" charset="-122"/>
-              </a:rPr>
-              <a:t>社会的财富，表现为庞大的商品堆积”</a:t>
-            </a:r>
-            <a:r>
-              <a:rPr lang="en-US" altLang="zh-CN" sz="3400" b="1" dirty="0">
-                <a:latin typeface="华文楷体" pitchFamily="2" charset="-122"/>
-                <a:ea typeface="华文楷体" pitchFamily="2" charset="-122"/>
-              </a:rPr>
-              <a:t>——《</a:t>
-            </a:r>
-            <a:r>
-              <a:rPr lang="zh-CN" altLang="en-US" sz="3400" b="1" dirty="0">
-                <a:latin typeface="华文楷体" pitchFamily="2" charset="-122"/>
-                <a:ea typeface="华文楷体" pitchFamily="2" charset="-122"/>
-              </a:rPr>
-              <a:t>资本论</a:t>
-            </a:r>
-            <a:r>
-              <a:rPr lang="en-US" altLang="zh-CN" sz="3400" b="1" dirty="0">
-                <a:latin typeface="华文楷体" pitchFamily="2" charset="-122"/>
-                <a:ea typeface="华文楷体" pitchFamily="2" charset="-122"/>
-              </a:rPr>
-              <a:t>》</a:t>
-            </a:r>
-          </a:p>
-          <a:p>
-            <a:pPr>
-              <a:lnSpc>
-                <a:spcPct val="150000"/>
-              </a:lnSpc>
-            </a:pPr>
-            <a:endParaRPr lang="en-US" altLang="zh-CN" sz="3400" b="1" dirty="0">
-              <a:latin typeface="微软雅黑" charset="-122"/>
-              <a:ea typeface="微软雅黑" charset="-122"/>
-            </a:endParaRPr>
-          </a:p>
-          <a:p>
-            <a:pPr>
-              <a:lnSpc>
-                <a:spcPct val="150000"/>
-              </a:lnSpc>
-            </a:pPr>
-            <a:r>
-              <a:rPr lang="zh-CN" altLang="en-US" sz="3400" b="1" dirty="0">
-                <a:latin typeface="微软雅黑" charset="-122"/>
-                <a:ea typeface="微软雅黑" charset="-122"/>
-              </a:rPr>
-              <a:t>未来社会要消灭商品和货币</a:t>
-            </a:r>
-            <a:r>
-              <a:rPr lang="en-US" altLang="zh-CN" sz="3400" b="1" dirty="0">
-                <a:latin typeface="微软雅黑" charset="-122"/>
-                <a:ea typeface="微软雅黑" charset="-122"/>
-              </a:rPr>
-              <a:t>,</a:t>
-            </a:r>
-            <a:r>
-              <a:rPr lang="zh-CN" altLang="en-US" sz="3400" b="1" dirty="0">
-                <a:latin typeface="微软雅黑" charset="-122"/>
-                <a:ea typeface="微软雅黑" charset="-122"/>
-              </a:rPr>
-              <a:t>消除商品对生产者的统治，实行产品经济，这是实现人的自由全面发展所必需的基本条件。</a:t>
-            </a:r>
-          </a:p>
-        </p:txBody>
-      </p:sp>
-      <p:grpSp>
-        <p:nvGrpSpPr>
-          <p:cNvPr id="13" name="组合 12"/>
-          <p:cNvGrpSpPr>
-            <a:grpSpLocks/>
-          </p:cNvGrpSpPr>
-          <p:nvPr/>
-        </p:nvGrpSpPr>
-        <p:grpSpPr bwMode="auto">
-          <a:xfrm>
-            <a:off x="859483" y="493340"/>
-            <a:ext cx="7161609" cy="1171956"/>
-            <a:chOff x="4267285" y="2060848"/>
-            <a:chExt cx="4961783" cy="841379"/>
-          </a:xfrm>
-        </p:grpSpPr>
-        <p:sp>
-          <p:nvSpPr>
-            <p:cNvPr id="14" name="TextBox 16"/>
-            <p:cNvSpPr txBox="1"/>
-            <p:nvPr/>
-          </p:nvSpPr>
-          <p:spPr>
-            <a:xfrm>
-              <a:off x="4579716" y="2060848"/>
-              <a:ext cx="4649352" cy="841379"/>
-            </a:xfrm>
-            <a:prstGeom prst="roundRect">
-              <a:avLst>
-                <a:gd name="adj" fmla="val 8176"/>
-              </a:avLst>
-            </a:prstGeom>
-            <a:solidFill>
-              <a:schemeClr val="bg1"/>
-            </a:solidFill>
-            <a:ln w="19050">
-              <a:solidFill>
-                <a:schemeClr val="bg1">
-                  <a:lumMod val="65000"/>
-                </a:schemeClr>
-              </a:solidFill>
-            </a:ln>
-          </p:spPr>
-          <p:txBody>
-            <a:bodyPr wrap="none" anchor="ctr"/>
-            <a:lstStyle/>
-            <a:p>
-              <a:pPr algn="ctr" fontAlgn="auto">
-                <a:spcBef>
-                  <a:spcPts val="0"/>
-                </a:spcBef>
-                <a:spcAft>
-                  <a:spcPts val="0"/>
-                </a:spcAft>
-                <a:defRPr/>
-              </a:pPr>
-              <a:r>
-                <a:rPr lang="zh-CN" altLang="en-US" sz="3900" b="1" dirty="0">
-                  <a:solidFill>
-                    <a:schemeClr val="accent1"/>
-                  </a:solidFill>
-                  <a:latin typeface="微软雅黑" pitchFamily="34" charset="-122"/>
-                  <a:ea typeface="+mn-ea"/>
-                </a:rPr>
-                <a:t>消灭商品，实现产品经济</a:t>
-              </a:r>
-              <a:endParaRPr lang="zh-CN" altLang="en-US" sz="4500" b="1" dirty="0">
-                <a:solidFill>
-                  <a:schemeClr val="accent1"/>
-                </a:solidFill>
-                <a:latin typeface="微软雅黑" pitchFamily="34" charset="-122"/>
-                <a:ea typeface="+mn-ea"/>
-              </a:endParaRPr>
-            </a:p>
-          </p:txBody>
-        </p:sp>
-        <p:sp>
-          <p:nvSpPr>
-            <p:cNvPr id="15" name="椭圆 14"/>
-            <p:cNvSpPr/>
-            <p:nvPr/>
-          </p:nvSpPr>
-          <p:spPr>
-            <a:xfrm>
-              <a:off x="4267285" y="2168224"/>
-              <a:ext cx="624863" cy="626628"/>
-            </a:xfrm>
-            <a:prstGeom prst="ellipse">
-              <a:avLst/>
-            </a:prstGeom>
-            <a:solidFill>
-              <a:schemeClr val="bg1"/>
-            </a:solidFill>
-            <a:ln w="19050">
-              <a:solidFill>
-                <a:schemeClr val="bg1">
-                  <a:lumMod val="65000"/>
-                </a:schemeClr>
-              </a:solidFill>
-            </a:ln>
-          </p:spPr>
-          <p:txBody>
-            <a:bodyPr wrap="none" anchor="ctr"/>
-            <a:lstStyle/>
-            <a:p>
-              <a:pPr algn="ctr" fontAlgn="auto">
-                <a:spcBef>
-                  <a:spcPts val="0"/>
-                </a:spcBef>
-                <a:spcAft>
-                  <a:spcPts val="0"/>
-                </a:spcAft>
-                <a:defRPr/>
-              </a:pPr>
-              <a:r>
-                <a:rPr lang="en-US" altLang="zh-CN" sz="3900" b="1" dirty="0">
-                  <a:solidFill>
-                    <a:schemeClr val="accent1"/>
-                  </a:solidFill>
-                  <a:latin typeface="Arial Unicode MS" pitchFamily="34" charset="-122"/>
-                  <a:ea typeface="Arial Unicode MS" pitchFamily="34" charset="-122"/>
-                  <a:cs typeface="Arial Unicode MS" pitchFamily="34" charset="-122"/>
-                </a:rPr>
-                <a:t>5</a:t>
-              </a:r>
-              <a:endParaRPr lang="zh-CN" altLang="en-US" sz="3900" b="1" dirty="0">
-                <a:solidFill>
-                  <a:schemeClr val="accent1"/>
-                </a:solidFill>
-                <a:latin typeface="Arial Unicode MS" pitchFamily="34" charset="-122"/>
-                <a:ea typeface="Arial Unicode MS" pitchFamily="34" charset="-122"/>
-                <a:cs typeface="Arial Unicode MS" pitchFamily="34" charset="-122"/>
-              </a:endParaRPr>
-            </a:p>
-          </p:txBody>
-        </p:sp>
-      </p:grpSp>
-    </p:spTree>
-    <p:extLst>
-      <p:ext uri="{BB962C8B-B14F-4D97-AF65-F5344CB8AC3E}">
-        <p14:creationId xmlns:p14="http://schemas.microsoft.com/office/powerpoint/2010/main" val="2424979808"/>
-      </p:ext>
-    </p:extLst>
-  </p:cSld>
-  <p:clrMapOvr>
-    <a:masterClrMapping/>
-  </p:clrMapOvr>
-  <p:transition spd="med">
-    <p:fade/>
-  </p:transition>
-  <p:timing>
-    <p:tnLst>
-      <p:par>
-        <p:cTn id="1" dur="indefinite" restart="never" nodeType="tmRoot">
-          <p:childTnLst>
-            <p:seq concurrent="1" nextAc="seek">
-              <p:cTn id="2" dur="indefinite" nodeType="mainSeq">
-                <p:childTnLst>
-                  <p:par>
-                    <p:cTn id="3" fill="hold">
-                      <p:stCondLst>
-                        <p:cond delay="indefinite"/>
-                        <p:cond evt="onBegin" delay="0">
-                          <p:tn val="2"/>
-                        </p:cond>
-                      </p:stCondLst>
-                      <p:childTnLst>
-                        <p:par>
-                          <p:cTn id="4" fill="hold">
-                            <p:stCondLst>
-                              <p:cond delay="0"/>
-                            </p:stCondLst>
-                            <p:childTnLst>
-                              <p:par>
-                                <p:cTn id="5" presetID="2" presetClass="entr" presetSubtype="2" fill="hold" nodeType="afterEffect">
-                                  <p:stCondLst>
-                                    <p:cond delay="0"/>
-                                  </p:stCondLst>
-                                  <p:childTnLst>
-                                    <p:set>
-                                      <p:cBhvr>
-                                        <p:cTn id="6" dur="1" fill="hold">
-                                          <p:stCondLst>
-                                            <p:cond delay="0"/>
-                                          </p:stCondLst>
-                                        </p:cTn>
-                                        <p:tgtEl>
-                                          <p:spTgt spid="13"/>
-                                        </p:tgtEl>
-                                        <p:attrNameLst>
-                                          <p:attrName>style.visibility</p:attrName>
-                                        </p:attrNameLst>
-                                      </p:cBhvr>
-                                      <p:to>
-                                        <p:strVal val="visible"/>
-                                      </p:to>
-                                    </p:set>
-                                    <p:anim calcmode="lin" valueType="num">
-                                      <p:cBhvr additive="base">
-                                        <p:cTn id="7" dur="500" fill="hold"/>
-                                        <p:tgtEl>
-                                          <p:spTgt spid="13"/>
-                                        </p:tgtEl>
-                                        <p:attrNameLst>
-                                          <p:attrName>ppt_x</p:attrName>
-                                        </p:attrNameLst>
-                                      </p:cBhvr>
-                                      <p:tavLst>
-                                        <p:tav tm="0">
-                                          <p:val>
-                                            <p:strVal val="1+#ppt_w/2"/>
-                                          </p:val>
-                                        </p:tav>
-                                        <p:tav tm="100000">
-                                          <p:val>
-                                            <p:strVal val="#ppt_x"/>
-                                          </p:val>
-                                        </p:tav>
-                                      </p:tavLst>
-                                    </p:anim>
-                                    <p:anim calcmode="lin" valueType="num">
-                                      <p:cBhvr additive="base">
-                                        <p:cTn id="8" dur="500" fill="hold"/>
-                                        <p:tgtEl>
-                                          <p:spTgt spid="13"/>
-                                        </p:tgtEl>
-                                        <p:attrNameLst>
-                                          <p:attrName>ppt_y</p:attrName>
-                                        </p:attrNameLst>
-                                      </p:cBhvr>
-                                      <p:tavLst>
-                                        <p:tav tm="0">
-                                          <p:val>
-                                            <p:strVal val="#ppt_y"/>
-                                          </p:val>
-                                        </p:tav>
-                                        <p:tav tm="100000">
-                                          <p:val>
-                                            <p:strVal val="#ppt_y"/>
-                                          </p:val>
-                                        </p:tav>
-                                      </p:tavLst>
-                                    </p:anim>
-                                  </p:childTnLst>
-                                </p:cTn>
-                              </p:par>
-                            </p:childTnLst>
-                          </p:cTn>
-                        </p:par>
-                      </p:childTnLst>
-                    </p:cTn>
-                  </p:par>
-                  <p:par>
-                    <p:cTn id="9" fill="hold">
-                      <p:stCondLst>
-                        <p:cond delay="indefinite"/>
-                      </p:stCondLst>
-                      <p:childTnLst>
-                        <p:par>
-                          <p:cTn id="10" fill="hold">
-                            <p:stCondLst>
-                              <p:cond delay="0"/>
-                            </p:stCondLst>
-                            <p:childTnLst>
-                              <p:par>
-                                <p:cTn id="11" presetID="42" presetClass="entr" presetSubtype="0" fill="hold" grpId="0" nodeType="clickEffect">
-                                  <p:stCondLst>
-                                    <p:cond delay="0"/>
-                                  </p:stCondLst>
-                                  <p:childTnLst>
-                                    <p:set>
-                                      <p:cBhvr>
-                                        <p:cTn id="12" dur="1" fill="hold">
-                                          <p:stCondLst>
-                                            <p:cond delay="0"/>
-                                          </p:stCondLst>
-                                        </p:cTn>
-                                        <p:tgtEl>
-                                          <p:spTgt spid="54277"/>
-                                        </p:tgtEl>
-                                        <p:attrNameLst>
-                                          <p:attrName>style.visibility</p:attrName>
-                                        </p:attrNameLst>
-                                      </p:cBhvr>
-                                      <p:to>
-                                        <p:strVal val="visible"/>
-                                      </p:to>
-                                    </p:set>
-                                    <p:animEffect transition="in" filter="fade">
-                                      <p:cBhvr>
-                                        <p:cTn id="13" dur="1000"/>
-                                        <p:tgtEl>
-                                          <p:spTgt spid="54277"/>
-                                        </p:tgtEl>
-                                      </p:cBhvr>
-                                    </p:animEffect>
-                                    <p:anim calcmode="lin" valueType="num">
-                                      <p:cBhvr>
-                                        <p:cTn id="14" dur="1000" fill="hold"/>
-                                        <p:tgtEl>
-                                          <p:spTgt spid="54277"/>
-                                        </p:tgtEl>
-                                        <p:attrNameLst>
-                                          <p:attrName>ppt_x</p:attrName>
-                                        </p:attrNameLst>
-                                      </p:cBhvr>
-                                      <p:tavLst>
-                                        <p:tav tm="0">
-                                          <p:val>
-                                            <p:strVal val="#ppt_x"/>
-                                          </p:val>
-                                        </p:tav>
-                                        <p:tav tm="100000">
-                                          <p:val>
-                                            <p:strVal val="#ppt_x"/>
-                                          </p:val>
-                                        </p:tav>
-                                      </p:tavLst>
-                                    </p:anim>
-                                    <p:anim calcmode="lin" valueType="num">
-                                      <p:cBhvr>
-                                        <p:cTn id="15" dur="1000" fill="hold"/>
-                                        <p:tgtEl>
-                                          <p:spTgt spid="54277"/>
-                                        </p:tgtEl>
-                                        <p:attrNameLst>
-                                          <p:attrName>ppt_y</p:attrName>
-                                        </p:attrNameLst>
-                                      </p:cBhvr>
-                                      <p:tavLst>
-                                        <p:tav tm="0">
-                                          <p:val>
-                                            <p:strVal val="#ppt_y+.1"/>
-                                          </p:val>
-                                        </p:tav>
-                                        <p:tav tm="100000">
-                                          <p:val>
-                                            <p:strVal val="#ppt_y"/>
-                                          </p:val>
-                                        </p:tav>
-                                      </p:tavLst>
-                                    </p:anim>
-                                  </p:childTnLst>
-                                </p:cTn>
-                              </p:par>
-                            </p:childTnLst>
-                          </p:cTn>
-                        </p:par>
-                      </p:childTnLst>
-                    </p:cTn>
-                  </p:par>
-                </p:childTnLst>
-              </p:cTn>
-              <p:prevCondLst>
-                <p:cond evt="onPrev" delay="0">
-                  <p:tgtEl>
-                    <p:sldTgt/>
-                  </p:tgtEl>
-                </p:cond>
-              </p:prevCondLst>
-              <p:nextCondLst>
-                <p:cond evt="onNext" delay="0">
-                  <p:tgtEl>
-                    <p:sldTgt/>
-                  </p:tgtEl>
-                </p:cond>
-              </p:nextCondLst>
-            </p:seq>
-          </p:childTnLst>
-        </p:cTn>
-      </p:par>
-    </p:tnLst>
-    <p:bldLst>
-      <p:bldP spid="54277" grpId="0"/>
-    </p:bldLst>
-  </p:timing>
-</p:sld>
-</file>
-
-<file path=ppt/slides/slide21.xml><?xml version="1.0" encoding="utf-8"?>
-<p:sld xmlns:a="http://schemas.openxmlformats.org/drawingml/2006/main" xmlns:r="http://schemas.openxmlformats.org/officeDocument/2006/relationships" xmlns:p="http://schemas.openxmlformats.org/presentationml/2006/main">
-  <p:cSld>
-    <p:spTree>
-      <p:nvGrpSpPr>
-        <p:cNvPr id="1" name=""/>
-        <p:cNvGrpSpPr/>
-        <p:nvPr/>
-      </p:nvGrpSpPr>
-      <p:grpSpPr>
-        <a:xfrm>
-          <a:off x="0" y="0"/>
-          <a:ext cx="0" cy="0"/>
-          <a:chOff x="0" y="0"/>
-          <a:chExt cx="0" cy="0"/>
-        </a:xfrm>
-      </p:grpSpPr>
-      <p:sp>
-        <p:nvSpPr>
           <p:cNvPr id="56325" name="矩形 5"/>
           <p:cNvSpPr>
             <a:spLocks noChangeArrowheads="1"/>
@@ -12736,7 +12424,7 @@
 </p:sld>
 </file>
 
-<file path=ppt/slides/slide22.xml><?xml version="1.0" encoding="utf-8"?>
+<file path=ppt/slides/slide21.xml><?xml version="1.0" encoding="utf-8"?>
 <p:sld xmlns:a="http://schemas.openxmlformats.org/drawingml/2006/main" xmlns:r="http://schemas.openxmlformats.org/officeDocument/2006/relationships" xmlns:p="http://schemas.openxmlformats.org/presentationml/2006/main">
   <p:cSld>
     <p:spTree>
@@ -13137,7 +12825,7 @@
 </p:sld>
 </file>
 
-<file path=ppt/slides/slide23.xml><?xml version="1.0" encoding="utf-8"?>
+<file path=ppt/slides/slide22.xml><?xml version="1.0" encoding="utf-8"?>
 <p:sld xmlns:a="http://schemas.openxmlformats.org/drawingml/2006/main" xmlns:r="http://schemas.openxmlformats.org/officeDocument/2006/relationships" xmlns:p="http://schemas.openxmlformats.org/presentationml/2006/main">
   <p:cSld>
     <p:spTree>
@@ -13504,7 +13192,7 @@
 </p:sld>
 </file>
 
-<file path=ppt/slides/slide24.xml><?xml version="1.0" encoding="utf-8"?>
+<file path=ppt/slides/slide23.xml><?xml version="1.0" encoding="utf-8"?>
 <p:sld xmlns:a="http://schemas.openxmlformats.org/drawingml/2006/main" xmlns:r="http://schemas.openxmlformats.org/officeDocument/2006/relationships" xmlns:p="http://schemas.openxmlformats.org/presentationml/2006/main">
   <p:cSld>
     <p:spTree>
@@ -13829,7 +13517,7 @@
 </p:sld>
 </file>
 
-<file path=ppt/slides/slide25.xml><?xml version="1.0" encoding="utf-8"?>
+<file path=ppt/slides/slide24.xml><?xml version="1.0" encoding="utf-8"?>
 <p:sld xmlns:a="http://schemas.openxmlformats.org/drawingml/2006/main" xmlns:r="http://schemas.openxmlformats.org/officeDocument/2006/relationships" xmlns:p="http://schemas.openxmlformats.org/presentationml/2006/main">
   <p:cSld>
     <p:spTree>
@@ -14244,7 +13932,7 @@
 </p:sld>
 </file>
 
-<file path=ppt/slides/slide26.xml><?xml version="1.0" encoding="utf-8"?>
+<file path=ppt/slides/slide25.xml><?xml version="1.0" encoding="utf-8"?>
 <p:sld xmlns:a="http://schemas.openxmlformats.org/drawingml/2006/main" xmlns:r="http://schemas.openxmlformats.org/officeDocument/2006/relationships" xmlns:p="http://schemas.openxmlformats.org/presentationml/2006/main">
   <p:cSld>
     <p:spTree>
@@ -14506,7 +14194,7 @@
 </p:sld>
 </file>
 
-<file path=ppt/slides/slide27.xml><?xml version="1.0" encoding="utf-8"?>
+<file path=ppt/slides/slide26.xml><?xml version="1.0" encoding="utf-8"?>
 <p:sld xmlns:a="http://schemas.openxmlformats.org/drawingml/2006/main" xmlns:r="http://schemas.openxmlformats.org/officeDocument/2006/relationships" xmlns:p="http://schemas.openxmlformats.org/presentationml/2006/main">
   <p:cSld>
     <p:spTree>
@@ -14601,7 +14289,7 @@
 </p:sld>
 </file>
 
-<file path=ppt/slides/slide28.xml><?xml version="1.0" encoding="utf-8"?>
+<file path=ppt/slides/slide27.xml><?xml version="1.0" encoding="utf-8"?>
 <p:sld xmlns:a="http://schemas.openxmlformats.org/drawingml/2006/main" xmlns:r="http://schemas.openxmlformats.org/officeDocument/2006/relationships" xmlns:p="http://schemas.openxmlformats.org/presentationml/2006/main">
   <p:cSld>
     <p:spTree>
@@ -15018,7 +14706,7 @@
 </p:sld>
 </file>
 
-<file path=ppt/slides/slide29.xml><?xml version="1.0" encoding="utf-8"?>
+<file path=ppt/slides/slide28.xml><?xml version="1.0" encoding="utf-8"?>
 <p:sld xmlns:a="http://schemas.openxmlformats.org/drawingml/2006/main" xmlns:r="http://schemas.openxmlformats.org/officeDocument/2006/relationships" xmlns:p="http://schemas.openxmlformats.org/presentationml/2006/main">
   <p:cSld>
     <p:spTree>
@@ -15965,6 +15653,288 @@
 </p:sld>
 </file>
 
+<file path=ppt/slides/slide29.xml><?xml version="1.0" encoding="utf-8"?>
+<p:sld xmlns:a="http://schemas.openxmlformats.org/drawingml/2006/main" xmlns:r="http://schemas.openxmlformats.org/officeDocument/2006/relationships" xmlns:p="http://schemas.openxmlformats.org/presentationml/2006/main">
+  <p:cSld>
+    <p:spTree>
+      <p:nvGrpSpPr>
+        <p:cNvPr id="1" name=""/>
+        <p:cNvGrpSpPr/>
+        <p:nvPr/>
+      </p:nvGrpSpPr>
+      <p:grpSpPr>
+        <a:xfrm>
+          <a:off x="0" y="0"/>
+          <a:ext cx="0" cy="0"/>
+          <a:chOff x="0" y="0"/>
+          <a:chExt cx="0" cy="0"/>
+        </a:xfrm>
+      </p:grpSpPr>
+      <p:sp>
+        <p:nvSpPr>
+          <p:cNvPr id="83973" name="TextBox 5"/>
+          <p:cNvSpPr txBox="1">
+            <a:spLocks noChangeArrowheads="1"/>
+          </p:cNvSpPr>
+          <p:nvPr/>
+        </p:nvSpPr>
+        <p:spPr bwMode="auto">
+          <a:xfrm>
+            <a:off x="753209" y="1240061"/>
+            <a:ext cx="11328349" cy="2997482"/>
+          </a:xfrm>
+          <a:prstGeom prst="rect">
+            <a:avLst/>
+          </a:prstGeom>
+          <a:noFill/>
+          <a:ln w="9525">
+            <a:noFill/>
+            <a:miter lim="800000"/>
+            <a:headEnd/>
+            <a:tailEnd/>
+          </a:ln>
+        </p:spPr>
+        <p:txBody>
+          <a:bodyPr wrap="square" lIns="128583" tIns="64291" rIns="128583" bIns="64291">
+            <a:spAutoFit/>
+          </a:bodyPr>
+          <a:lstStyle/>
+          <a:p>
+            <a:pPr>
+              <a:lnSpc>
+                <a:spcPct val="150000"/>
+              </a:lnSpc>
+            </a:pPr>
+            <a:r>
+              <a:rPr lang="en-US" altLang="zh-CN" sz="3200" dirty="0">
+                <a:latin typeface="微软雅黑" charset="-122"/>
+                <a:ea typeface="微软雅黑" charset="-122"/>
+              </a:rPr>
+              <a:t>2. </a:t>
+            </a:r>
+            <a:r>
+              <a:rPr lang="zh-CN" altLang="en-US" sz="3200" dirty="0">
+                <a:latin typeface="微软雅黑" charset="-122"/>
+                <a:ea typeface="微软雅黑" charset="-122"/>
+              </a:rPr>
+              <a:t>事实证明，</a:t>
+            </a:r>
+            <a:r>
+              <a:rPr lang="zh-CN" altLang="en-US" sz="3200" b="1" dirty="0">
+                <a:solidFill>
+                  <a:schemeClr val="accent3"/>
+                </a:solidFill>
+                <a:latin typeface="微软雅黑" charset="-122"/>
+                <a:ea typeface="微软雅黑" charset="-122"/>
+              </a:rPr>
+              <a:t>经济发展有其内在的规律性，商品经济以及作为其发达形态的市场经济这一经济发展形态和阶段是不能跨越的</a:t>
+            </a:r>
+            <a:r>
+              <a:rPr lang="zh-CN" altLang="en-US" sz="3200" dirty="0">
+                <a:latin typeface="微软雅黑" charset="-122"/>
+                <a:ea typeface="微软雅黑" charset="-122"/>
+              </a:rPr>
+              <a:t>。同时也应看到，在落后的生产力和商品经济不发达的基础上要建立起产品经济体制也是不现实的。</a:t>
+            </a:r>
+          </a:p>
+        </p:txBody>
+      </p:sp>
+      <p:sp>
+        <p:nvSpPr>
+          <p:cNvPr id="22" name="TextBox 21"/>
+          <p:cNvSpPr txBox="1"/>
+          <p:nvPr/>
+        </p:nvSpPr>
+        <p:spPr>
+          <a:xfrm>
+            <a:off x="956767" y="5038119"/>
+            <a:ext cx="6264696" cy="1815882"/>
+          </a:xfrm>
+          <a:prstGeom prst="rect">
+            <a:avLst/>
+          </a:prstGeom>
+          <a:ln>
+            <a:noFill/>
+          </a:ln>
+        </p:spPr>
+        <p:style>
+          <a:lnRef idx="1">
+            <a:schemeClr val="accent2"/>
+          </a:lnRef>
+          <a:fillRef idx="2">
+            <a:schemeClr val="accent2"/>
+          </a:fillRef>
+          <a:effectRef idx="1">
+            <a:schemeClr val="accent2"/>
+          </a:effectRef>
+          <a:fontRef idx="minor">
+            <a:schemeClr val="dk1"/>
+          </a:fontRef>
+        </p:style>
+        <p:txBody>
+          <a:bodyPr wrap="square" rtlCol="0">
+            <a:spAutoFit/>
+          </a:bodyPr>
+          <a:lstStyle/>
+          <a:p>
+            <a:r>
+              <a:rPr lang="zh-CN" altLang="en-US" sz="2800" b="1" dirty="0">
+                <a:latin typeface="微软雅黑 Light" pitchFamily="34" charset="-122"/>
+                <a:ea typeface="微软雅黑 Light" pitchFamily="34" charset="-122"/>
+              </a:rPr>
+              <a:t>进而认为计划经济是社会主义的本质特征，彻底否定社会主义搞市场经济的可能性的理解，显然与马克思的真实想法也是有很大出入的。</a:t>
+            </a:r>
+          </a:p>
+        </p:txBody>
+      </p:sp>
+    </p:spTree>
+    <p:extLst>
+      <p:ext uri="{BB962C8B-B14F-4D97-AF65-F5344CB8AC3E}">
+        <p14:creationId xmlns:p14="http://schemas.microsoft.com/office/powerpoint/2010/main" val="3176661228"/>
+      </p:ext>
+    </p:extLst>
+  </p:cSld>
+  <p:clrMapOvr>
+    <a:masterClrMapping/>
+  </p:clrMapOvr>
+  <p:transition spd="med">
+    <p:fade/>
+  </p:transition>
+  <p:timing>
+    <p:tnLst>
+      <p:par>
+        <p:cTn id="1" dur="indefinite" restart="never" nodeType="tmRoot">
+          <p:childTnLst>
+            <p:seq concurrent="1" nextAc="seek">
+              <p:cTn id="2" dur="indefinite" nodeType="mainSeq">
+                <p:childTnLst>
+                  <p:par>
+                    <p:cTn id="3" fill="hold">
+                      <p:stCondLst>
+                        <p:cond delay="indefinite"/>
+                      </p:stCondLst>
+                      <p:childTnLst>
+                        <p:par>
+                          <p:cTn id="4" fill="hold">
+                            <p:stCondLst>
+                              <p:cond delay="0"/>
+                            </p:stCondLst>
+                            <p:childTnLst>
+                              <p:par>
+                                <p:cTn id="5" presetID="42" presetClass="entr" presetSubtype="0" fill="hold" grpId="0" nodeType="clickEffect">
+                                  <p:stCondLst>
+                                    <p:cond delay="0"/>
+                                  </p:stCondLst>
+                                  <p:childTnLst>
+                                    <p:set>
+                                      <p:cBhvr>
+                                        <p:cTn id="6" dur="1" fill="hold">
+                                          <p:stCondLst>
+                                            <p:cond delay="0"/>
+                                          </p:stCondLst>
+                                        </p:cTn>
+                                        <p:tgtEl>
+                                          <p:spTgt spid="22"/>
+                                        </p:tgtEl>
+                                        <p:attrNameLst>
+                                          <p:attrName>style.visibility</p:attrName>
+                                        </p:attrNameLst>
+                                      </p:cBhvr>
+                                      <p:to>
+                                        <p:strVal val="visible"/>
+                                      </p:to>
+                                    </p:set>
+                                    <p:animEffect transition="in" filter="fade">
+                                      <p:cBhvr>
+                                        <p:cTn id="7" dur="1000"/>
+                                        <p:tgtEl>
+                                          <p:spTgt spid="22"/>
+                                        </p:tgtEl>
+                                      </p:cBhvr>
+                                    </p:animEffect>
+                                    <p:anim calcmode="lin" valueType="num">
+                                      <p:cBhvr>
+                                        <p:cTn id="8" dur="1000" fill="hold"/>
+                                        <p:tgtEl>
+                                          <p:spTgt spid="22"/>
+                                        </p:tgtEl>
+                                        <p:attrNameLst>
+                                          <p:attrName>ppt_x</p:attrName>
+                                        </p:attrNameLst>
+                                      </p:cBhvr>
+                                      <p:tavLst>
+                                        <p:tav tm="0">
+                                          <p:val>
+                                            <p:strVal val="#ppt_x"/>
+                                          </p:val>
+                                        </p:tav>
+                                        <p:tav tm="100000">
+                                          <p:val>
+                                            <p:strVal val="#ppt_x"/>
+                                          </p:val>
+                                        </p:tav>
+                                      </p:tavLst>
+                                    </p:anim>
+                                    <p:anim calcmode="lin" valueType="num">
+                                      <p:cBhvr>
+                                        <p:cTn id="9" dur="1000" fill="hold"/>
+                                        <p:tgtEl>
+                                          <p:spTgt spid="22"/>
+                                        </p:tgtEl>
+                                        <p:attrNameLst>
+                                          <p:attrName>ppt_y</p:attrName>
+                                        </p:attrNameLst>
+                                      </p:cBhvr>
+                                      <p:tavLst>
+                                        <p:tav tm="0">
+                                          <p:val>
+                                            <p:strVal val="#ppt_y+.1"/>
+                                          </p:val>
+                                        </p:tav>
+                                        <p:tav tm="100000">
+                                          <p:val>
+                                            <p:strVal val="#ppt_y"/>
+                                          </p:val>
+                                        </p:tav>
+                                      </p:tavLst>
+                                    </p:anim>
+                                  </p:childTnLst>
+                                </p:cTn>
+                              </p:par>
+                            </p:childTnLst>
+                          </p:cTn>
+                        </p:par>
+                      </p:childTnLst>
+                    </p:cTn>
+                  </p:par>
+                </p:childTnLst>
+              </p:cTn>
+              <p:prevCondLst>
+                <p:cond evt="onPrev" delay="0">
+                  <p:tgtEl>
+                    <p:sldTgt/>
+                  </p:tgtEl>
+                </p:cond>
+              </p:prevCondLst>
+              <p:nextCondLst>
+                <p:cond evt="onNext" delay="0">
+                  <p:tgtEl>
+                    <p:sldTgt/>
+                  </p:tgtEl>
+                </p:cond>
+              </p:nextCondLst>
+            </p:seq>
+          </p:childTnLst>
+        </p:cTn>
+      </p:par>
+    </p:tnLst>
+    <p:bldLst>
+      <p:bldP spid="22" grpId="0" animBg="1"/>
+    </p:bldLst>
+  </p:timing>
+</p:sld>
+</file>
+
 <file path=ppt/slides/slide3.xml><?xml version="1.0" encoding="utf-8"?>
 <p:sld xmlns:a="http://schemas.openxmlformats.org/drawingml/2006/main" xmlns:r="http://schemas.openxmlformats.org/officeDocument/2006/relationships" xmlns:p="http://schemas.openxmlformats.org/presentationml/2006/main">
   <p:cSld>
@@ -18106,288 +18076,6 @@
 </p:sld>
 </file>
 
-<file path=ppt/slides/slide30.xml><?xml version="1.0" encoding="utf-8"?>
-<p:sld xmlns:a="http://schemas.openxmlformats.org/drawingml/2006/main" xmlns:r="http://schemas.openxmlformats.org/officeDocument/2006/relationships" xmlns:p="http://schemas.openxmlformats.org/presentationml/2006/main">
-  <p:cSld>
-    <p:spTree>
-      <p:nvGrpSpPr>
-        <p:cNvPr id="1" name=""/>
-        <p:cNvGrpSpPr/>
-        <p:nvPr/>
-      </p:nvGrpSpPr>
-      <p:grpSpPr>
-        <a:xfrm>
-          <a:off x="0" y="0"/>
-          <a:ext cx="0" cy="0"/>
-          <a:chOff x="0" y="0"/>
-          <a:chExt cx="0" cy="0"/>
-        </a:xfrm>
-      </p:grpSpPr>
-      <p:sp>
-        <p:nvSpPr>
-          <p:cNvPr id="83973" name="TextBox 5"/>
-          <p:cNvSpPr txBox="1">
-            <a:spLocks noChangeArrowheads="1"/>
-          </p:cNvSpPr>
-          <p:nvPr/>
-        </p:nvSpPr>
-        <p:spPr bwMode="auto">
-          <a:xfrm>
-            <a:off x="753209" y="1240061"/>
-            <a:ext cx="11328349" cy="2997482"/>
-          </a:xfrm>
-          <a:prstGeom prst="rect">
-            <a:avLst/>
-          </a:prstGeom>
-          <a:noFill/>
-          <a:ln w="9525">
-            <a:noFill/>
-            <a:miter lim="800000"/>
-            <a:headEnd/>
-            <a:tailEnd/>
-          </a:ln>
-        </p:spPr>
-        <p:txBody>
-          <a:bodyPr wrap="square" lIns="128583" tIns="64291" rIns="128583" bIns="64291">
-            <a:spAutoFit/>
-          </a:bodyPr>
-          <a:lstStyle/>
-          <a:p>
-            <a:pPr>
-              <a:lnSpc>
-                <a:spcPct val="150000"/>
-              </a:lnSpc>
-            </a:pPr>
-            <a:r>
-              <a:rPr lang="en-US" altLang="zh-CN" sz="3200" dirty="0">
-                <a:latin typeface="微软雅黑" charset="-122"/>
-                <a:ea typeface="微软雅黑" charset="-122"/>
-              </a:rPr>
-              <a:t>2. </a:t>
-            </a:r>
-            <a:r>
-              <a:rPr lang="zh-CN" altLang="en-US" sz="3200" dirty="0">
-                <a:latin typeface="微软雅黑" charset="-122"/>
-                <a:ea typeface="微软雅黑" charset="-122"/>
-              </a:rPr>
-              <a:t>事实证明，</a:t>
-            </a:r>
-            <a:r>
-              <a:rPr lang="zh-CN" altLang="en-US" sz="3200" b="1" dirty="0">
-                <a:solidFill>
-                  <a:schemeClr val="accent3"/>
-                </a:solidFill>
-                <a:latin typeface="微软雅黑" charset="-122"/>
-                <a:ea typeface="微软雅黑" charset="-122"/>
-              </a:rPr>
-              <a:t>经济发展有其内在的规律性，商品经济以及作为其发达形态的市场经济这一经济发展形态和阶段是不能跨越的</a:t>
-            </a:r>
-            <a:r>
-              <a:rPr lang="zh-CN" altLang="en-US" sz="3200" dirty="0">
-                <a:latin typeface="微软雅黑" charset="-122"/>
-                <a:ea typeface="微软雅黑" charset="-122"/>
-              </a:rPr>
-              <a:t>。同时也应看到，在落后的生产力和商品经济不发达的基础上要建立起产品经济体制也是不现实的。</a:t>
-            </a:r>
-          </a:p>
-        </p:txBody>
-      </p:sp>
-      <p:sp>
-        <p:nvSpPr>
-          <p:cNvPr id="22" name="TextBox 21"/>
-          <p:cNvSpPr txBox="1"/>
-          <p:nvPr/>
-        </p:nvSpPr>
-        <p:spPr>
-          <a:xfrm>
-            <a:off x="956767" y="5038119"/>
-            <a:ext cx="6264696" cy="1815882"/>
-          </a:xfrm>
-          <a:prstGeom prst="rect">
-            <a:avLst/>
-          </a:prstGeom>
-          <a:ln>
-            <a:noFill/>
-          </a:ln>
-        </p:spPr>
-        <p:style>
-          <a:lnRef idx="1">
-            <a:schemeClr val="accent2"/>
-          </a:lnRef>
-          <a:fillRef idx="2">
-            <a:schemeClr val="accent2"/>
-          </a:fillRef>
-          <a:effectRef idx="1">
-            <a:schemeClr val="accent2"/>
-          </a:effectRef>
-          <a:fontRef idx="minor">
-            <a:schemeClr val="dk1"/>
-          </a:fontRef>
-        </p:style>
-        <p:txBody>
-          <a:bodyPr wrap="square" rtlCol="0">
-            <a:spAutoFit/>
-          </a:bodyPr>
-          <a:lstStyle/>
-          <a:p>
-            <a:r>
-              <a:rPr lang="zh-CN" altLang="en-US" sz="2800" b="1" dirty="0">
-                <a:latin typeface="微软雅黑 Light" pitchFamily="34" charset="-122"/>
-                <a:ea typeface="微软雅黑 Light" pitchFamily="34" charset="-122"/>
-              </a:rPr>
-              <a:t>进而认为计划经济是社会主义的本质特征，彻底否定社会主义搞市场经济的可能性的理解，显然与马克思的真实想法也是有很大出入的。</a:t>
-            </a:r>
-          </a:p>
-        </p:txBody>
-      </p:sp>
-    </p:spTree>
-    <p:extLst>
-      <p:ext uri="{BB962C8B-B14F-4D97-AF65-F5344CB8AC3E}">
-        <p14:creationId xmlns:p14="http://schemas.microsoft.com/office/powerpoint/2010/main" val="3176661228"/>
-      </p:ext>
-    </p:extLst>
-  </p:cSld>
-  <p:clrMapOvr>
-    <a:masterClrMapping/>
-  </p:clrMapOvr>
-  <p:transition spd="med">
-    <p:fade/>
-  </p:transition>
-  <p:timing>
-    <p:tnLst>
-      <p:par>
-        <p:cTn id="1" dur="indefinite" restart="never" nodeType="tmRoot">
-          <p:childTnLst>
-            <p:seq concurrent="1" nextAc="seek">
-              <p:cTn id="2" dur="indefinite" nodeType="mainSeq">
-                <p:childTnLst>
-                  <p:par>
-                    <p:cTn id="3" fill="hold">
-                      <p:stCondLst>
-                        <p:cond delay="indefinite"/>
-                      </p:stCondLst>
-                      <p:childTnLst>
-                        <p:par>
-                          <p:cTn id="4" fill="hold">
-                            <p:stCondLst>
-                              <p:cond delay="0"/>
-                            </p:stCondLst>
-                            <p:childTnLst>
-                              <p:par>
-                                <p:cTn id="5" presetID="42" presetClass="entr" presetSubtype="0" fill="hold" grpId="0" nodeType="clickEffect">
-                                  <p:stCondLst>
-                                    <p:cond delay="0"/>
-                                  </p:stCondLst>
-                                  <p:childTnLst>
-                                    <p:set>
-                                      <p:cBhvr>
-                                        <p:cTn id="6" dur="1" fill="hold">
-                                          <p:stCondLst>
-                                            <p:cond delay="0"/>
-                                          </p:stCondLst>
-                                        </p:cTn>
-                                        <p:tgtEl>
-                                          <p:spTgt spid="22"/>
-                                        </p:tgtEl>
-                                        <p:attrNameLst>
-                                          <p:attrName>style.visibility</p:attrName>
-                                        </p:attrNameLst>
-                                      </p:cBhvr>
-                                      <p:to>
-                                        <p:strVal val="visible"/>
-                                      </p:to>
-                                    </p:set>
-                                    <p:animEffect transition="in" filter="fade">
-                                      <p:cBhvr>
-                                        <p:cTn id="7" dur="1000"/>
-                                        <p:tgtEl>
-                                          <p:spTgt spid="22"/>
-                                        </p:tgtEl>
-                                      </p:cBhvr>
-                                    </p:animEffect>
-                                    <p:anim calcmode="lin" valueType="num">
-                                      <p:cBhvr>
-                                        <p:cTn id="8" dur="1000" fill="hold"/>
-                                        <p:tgtEl>
-                                          <p:spTgt spid="22"/>
-                                        </p:tgtEl>
-                                        <p:attrNameLst>
-                                          <p:attrName>ppt_x</p:attrName>
-                                        </p:attrNameLst>
-                                      </p:cBhvr>
-                                      <p:tavLst>
-                                        <p:tav tm="0">
-                                          <p:val>
-                                            <p:strVal val="#ppt_x"/>
-                                          </p:val>
-                                        </p:tav>
-                                        <p:tav tm="100000">
-                                          <p:val>
-                                            <p:strVal val="#ppt_x"/>
-                                          </p:val>
-                                        </p:tav>
-                                      </p:tavLst>
-                                    </p:anim>
-                                    <p:anim calcmode="lin" valueType="num">
-                                      <p:cBhvr>
-                                        <p:cTn id="9" dur="1000" fill="hold"/>
-                                        <p:tgtEl>
-                                          <p:spTgt spid="22"/>
-                                        </p:tgtEl>
-                                        <p:attrNameLst>
-                                          <p:attrName>ppt_y</p:attrName>
-                                        </p:attrNameLst>
-                                      </p:cBhvr>
-                                      <p:tavLst>
-                                        <p:tav tm="0">
-                                          <p:val>
-                                            <p:strVal val="#ppt_y+.1"/>
-                                          </p:val>
-                                        </p:tav>
-                                        <p:tav tm="100000">
-                                          <p:val>
-                                            <p:strVal val="#ppt_y"/>
-                                          </p:val>
-                                        </p:tav>
-                                      </p:tavLst>
-                                    </p:anim>
-                                  </p:childTnLst>
-                                </p:cTn>
-                              </p:par>
-                            </p:childTnLst>
-                          </p:cTn>
-                        </p:par>
-                      </p:childTnLst>
-                    </p:cTn>
-                  </p:par>
-                </p:childTnLst>
-              </p:cTn>
-              <p:prevCondLst>
-                <p:cond evt="onPrev" delay="0">
-                  <p:tgtEl>
-                    <p:sldTgt/>
-                  </p:tgtEl>
-                </p:cond>
-              </p:prevCondLst>
-              <p:nextCondLst>
-                <p:cond evt="onNext" delay="0">
-                  <p:tgtEl>
-                    <p:sldTgt/>
-                  </p:tgtEl>
-                </p:cond>
-              </p:nextCondLst>
-            </p:seq>
-          </p:childTnLst>
-        </p:cTn>
-      </p:par>
-    </p:tnLst>
-    <p:bldLst>
-      <p:bldP spid="22" grpId="0" animBg="1"/>
-    </p:bldLst>
-  </p:timing>
-</p:sld>
-</file>
-
 <file path=ppt/slides/slide4.xml><?xml version="1.0" encoding="utf-8"?>
 <p:sld xmlns:a="http://schemas.openxmlformats.org/drawingml/2006/main" xmlns:r="http://schemas.openxmlformats.org/officeDocument/2006/relationships" xmlns:p="http://schemas.openxmlformats.org/presentationml/2006/main">
   <p:cSld>
@@ -18570,7 +18258,7 @@
         </p:nvSpPr>
         <p:spPr>
           <a:xfrm>
-            <a:off x="5980217" y="3256285"/>
+            <a:off x="2396927" y="2412522"/>
             <a:ext cx="6852302" cy="3416320"/>
           </a:xfrm>
           <a:prstGeom prst="rect">
@@ -19109,55 +18797,25 @@
           </a:fontRef>
         </p:style>
       </p:cxnSp>
-    </p:spTree>
-    <p:custDataLst>
-      <p:tags r:id="rId1"/>
-    </p:custDataLst>
-    <p:extLst>
-      <p:ext uri="{BB962C8B-B14F-4D97-AF65-F5344CB8AC3E}">
-        <p14:creationId xmlns:p14="http://schemas.microsoft.com/office/powerpoint/2010/main" val="2674854826"/>
-      </p:ext>
-    </p:extLst>
-  </p:cSld>
-  <p:clrMapOvr>
-    <a:masterClrMapping/>
-  </p:clrMapOvr>
-  <p:transition spd="med">
-    <p:fade/>
-  </p:transition>
-</p:sld>
-</file>
-
-<file path=ppt/slides/slide6.xml><?xml version="1.0" encoding="utf-8"?>
-<p:sld xmlns:a="http://schemas.openxmlformats.org/drawingml/2006/main" xmlns:r="http://schemas.openxmlformats.org/officeDocument/2006/relationships" xmlns:p="http://schemas.openxmlformats.org/presentationml/2006/main">
-  <p:cSld>
-    <p:spTree>
-      <p:nvGrpSpPr>
-        <p:cNvPr id="1" name=""/>
-        <p:cNvGrpSpPr/>
-        <p:nvPr/>
-      </p:nvGrpSpPr>
-      <p:grpSpPr>
-        <a:xfrm>
-          <a:off x="0" y="0"/>
-          <a:ext cx="0" cy="0"/>
-          <a:chOff x="0" y="0"/>
-          <a:chExt cx="0" cy="0"/>
-        </a:xfrm>
-      </p:grpSpPr>
       <p:sp>
         <p:nvSpPr>
-          <p:cNvPr id="3" name="MH_Entry_1"/>
+          <p:cNvPr id="5" name="MH_Entry_1">
+            <a:extLst>
+              <a:ext uri="{FF2B5EF4-FFF2-40B4-BE49-F238E27FC236}">
+                <a16:creationId xmlns:a16="http://schemas.microsoft.com/office/drawing/2014/main" id="{4EBDD1E8-3F3C-41FB-A5DE-075BCB3BE6FF}"/>
+              </a:ext>
+            </a:extLst>
+          </p:cNvPr>
           <p:cNvSpPr/>
           <p:nvPr>
             <p:custDataLst>
-              <p:tags r:id="rId2"/>
+              <p:tags r:id="rId4"/>
             </p:custDataLst>
           </p:nvPr>
         </p:nvSpPr>
         <p:spPr>
           <a:xfrm>
-            <a:off x="790109" y="489382"/>
+            <a:off x="530097" y="3184277"/>
             <a:ext cx="11471913" cy="1862176"/>
           </a:xfrm>
           <a:custGeom>
@@ -19369,132 +19027,13 @@
           </a:p>
         </p:txBody>
       </p:sp>
-      <p:cxnSp>
-        <p:nvCxnSpPr>
-          <p:cNvPr id="4" name="直接连接符 3"/>
-          <p:cNvCxnSpPr/>
-          <p:nvPr>
-            <p:custDataLst>
-              <p:tags r:id="rId3"/>
-            </p:custDataLst>
-          </p:nvPr>
-        </p:nvCxnSpPr>
-        <p:spPr>
-          <a:xfrm>
-            <a:off x="856740" y="2536205"/>
-            <a:ext cx="4143101" cy="0"/>
-          </a:xfrm>
-          <a:prstGeom prst="line">
-            <a:avLst/>
-          </a:prstGeom>
-          <a:ln w="12700">
-            <a:solidFill>
-              <a:schemeClr val="accent1"/>
-            </a:solidFill>
-            <a:headEnd type="oval"/>
-            <a:tailEnd type="oval"/>
-          </a:ln>
-        </p:spPr>
-        <p:style>
-          <a:lnRef idx="1">
-            <a:schemeClr val="accent1"/>
-          </a:lnRef>
-          <a:fillRef idx="0">
-            <a:schemeClr val="accent1"/>
-          </a:fillRef>
-          <a:effectRef idx="0">
-            <a:schemeClr val="accent1"/>
-          </a:effectRef>
-          <a:fontRef idx="minor">
-            <a:schemeClr val="tx1"/>
-          </a:fontRef>
-        </p:style>
-      </p:cxnSp>
-      <p:sp>
-        <p:nvSpPr>
-          <p:cNvPr id="15" name="AutoShape 2" descr="http://5b0988e595225.cdn.sohucs.com/q_70,c_zoom,w_640/images/20180615/1aab994915e94c0696534f42f2f168f1.webp"/>
-          <p:cNvSpPr>
-            <a:spLocks noChangeAspect="1" noChangeArrowheads="1"/>
-          </p:cNvSpPr>
-          <p:nvPr/>
-        </p:nvSpPr>
-        <p:spPr bwMode="auto">
-          <a:xfrm>
-            <a:off x="155575" y="-144463"/>
-            <a:ext cx="304800" cy="304801"/>
-          </a:xfrm>
-          <a:prstGeom prst="rect">
-            <a:avLst/>
-          </a:prstGeom>
-          <a:noFill/>
-          <a:extLst>
-            <a:ext uri="{909E8E84-426E-40DD-AFC4-6F175D3DCCD1}">
-              <a14:hiddenFill xmlns:a14="http://schemas.microsoft.com/office/drawing/2010/main">
-                <a:solidFill>
-                  <a:srgbClr val="FFFFFF"/>
-                </a:solidFill>
-              </a14:hiddenFill>
-            </a:ext>
-          </a:extLst>
-        </p:spPr>
-        <p:txBody>
-          <a:bodyPr vert="horz" wrap="square" lIns="91440" tIns="45720" rIns="91440" bIns="45720" numCol="1" anchor="t" anchorCtr="0" compatLnSpc="1">
-            <a:prstTxWarp prst="textNoShape">
-              <a:avLst/>
-            </a:prstTxWarp>
-          </a:bodyPr>
-          <a:lstStyle/>
-          <a:p>
-            <a:endParaRPr lang="zh-CN" altLang="en-US"/>
-          </a:p>
-        </p:txBody>
-      </p:sp>
-      <p:sp>
-        <p:nvSpPr>
-          <p:cNvPr id="16" name="AutoShape 4" descr="http://5b0988e595225.cdn.sohucs.com/q_70,c_zoom,w_640/images/20180615/1aab994915e94c0696534f42f2f168f1.webp"/>
-          <p:cNvSpPr>
-            <a:spLocks noChangeAspect="1" noChangeArrowheads="1"/>
-          </p:cNvSpPr>
-          <p:nvPr/>
-        </p:nvSpPr>
-        <p:spPr bwMode="auto">
-          <a:xfrm>
-            <a:off x="307975" y="7937"/>
-            <a:ext cx="304800" cy="304801"/>
-          </a:xfrm>
-          <a:prstGeom prst="rect">
-            <a:avLst/>
-          </a:prstGeom>
-          <a:noFill/>
-          <a:extLst>
-            <a:ext uri="{909E8E84-426E-40DD-AFC4-6F175D3DCCD1}">
-              <a14:hiddenFill xmlns:a14="http://schemas.microsoft.com/office/drawing/2010/main">
-                <a:solidFill>
-                  <a:srgbClr val="FFFFFF"/>
-                </a:solidFill>
-              </a14:hiddenFill>
-            </a:ext>
-          </a:extLst>
-        </p:spPr>
-        <p:txBody>
-          <a:bodyPr vert="horz" wrap="square" lIns="91440" tIns="45720" rIns="91440" bIns="45720" numCol="1" anchor="t" anchorCtr="0" compatLnSpc="1">
-            <a:prstTxWarp prst="textNoShape">
-              <a:avLst/>
-            </a:prstTxWarp>
-          </a:bodyPr>
-          <a:lstStyle/>
-          <a:p>
-            <a:endParaRPr lang="zh-CN" altLang="en-US"/>
-          </a:p>
-        </p:txBody>
-      </p:sp>
     </p:spTree>
     <p:custDataLst>
       <p:tags r:id="rId1"/>
     </p:custDataLst>
     <p:extLst>
       <p:ext uri="{BB962C8B-B14F-4D97-AF65-F5344CB8AC3E}">
-        <p14:creationId xmlns:p14="http://schemas.microsoft.com/office/powerpoint/2010/main" val="2295783948"/>
+        <p14:creationId xmlns:p14="http://schemas.microsoft.com/office/powerpoint/2010/main" val="2674854826"/>
       </p:ext>
     </p:extLst>
   </p:cSld>
@@ -19507,7 +19046,7 @@
 </p:sld>
 </file>
 
-<file path=ppt/slides/slide7.xml><?xml version="1.0" encoding="utf-8"?>
+<file path=ppt/slides/slide6.xml><?xml version="1.0" encoding="utf-8"?>
 <p:sld xmlns:a="http://schemas.openxmlformats.org/drawingml/2006/main" xmlns:r="http://schemas.openxmlformats.org/officeDocument/2006/relationships" xmlns:p="http://schemas.openxmlformats.org/presentationml/2006/main">
   <p:cSld>
     <p:spTree>
@@ -19602,7 +19141,7 @@
         </p:nvSpPr>
         <p:spPr>
           <a:xfrm>
-            <a:off x="164679" y="2848618"/>
+            <a:off x="1604839" y="2536205"/>
             <a:ext cx="5904656" cy="3539430"/>
           </a:xfrm>
           <a:prstGeom prst="rect">
@@ -19819,7 +19358,7 @@
 </p:sld>
 </file>
 
-<file path=ppt/slides/slide8.xml><?xml version="1.0" encoding="utf-8"?>
+<file path=ppt/slides/slide7.xml><?xml version="1.0" encoding="utf-8"?>
 <p:sld xmlns:a="http://schemas.openxmlformats.org/drawingml/2006/main" xmlns:r="http://schemas.openxmlformats.org/officeDocument/2006/relationships" xmlns:p="http://schemas.openxmlformats.org/presentationml/2006/main">
   <p:cSld>
     <p:spTree>
@@ -20103,7 +19642,7 @@
 </p:sld>
 </file>
 
-<file path=ppt/slides/slide9.xml><?xml version="1.0" encoding="utf-8"?>
+<file path=ppt/slides/slide8.xml><?xml version="1.0" encoding="utf-8"?>
 <p:sld xmlns:a="http://schemas.openxmlformats.org/drawingml/2006/main" xmlns:r="http://schemas.openxmlformats.org/officeDocument/2006/relationships" xmlns:p="http://schemas.openxmlformats.org/presentationml/2006/main">
   <p:cSld>
     <p:spTree>
@@ -20321,6 +19860,232 @@
 </p:sld>
 </file>
 
+<file path=ppt/slides/slide9.xml><?xml version="1.0" encoding="utf-8"?>
+<p:sld xmlns:a="http://schemas.openxmlformats.org/drawingml/2006/main" xmlns:r="http://schemas.openxmlformats.org/officeDocument/2006/relationships" xmlns:p="http://schemas.openxmlformats.org/presentationml/2006/main">
+  <p:cSld>
+    <p:spTree>
+      <p:nvGrpSpPr>
+        <p:cNvPr id="1" name=""/>
+        <p:cNvGrpSpPr/>
+        <p:nvPr/>
+      </p:nvGrpSpPr>
+      <p:grpSpPr>
+        <a:xfrm>
+          <a:off x="0" y="0"/>
+          <a:ext cx="0" cy="0"/>
+          <a:chOff x="0" y="0"/>
+          <a:chExt cx="0" cy="0"/>
+        </a:xfrm>
+      </p:grpSpPr>
+      <p:sp>
+        <p:nvSpPr>
+          <p:cNvPr id="41989" name="矩形 7"/>
+          <p:cNvSpPr>
+            <a:spLocks noChangeArrowheads="1"/>
+          </p:cNvSpPr>
+          <p:nvPr/>
+        </p:nvSpPr>
+        <p:spPr bwMode="auto">
+          <a:xfrm>
+            <a:off x="658566" y="102686"/>
+            <a:ext cx="9619505" cy="649600"/>
+          </a:xfrm>
+          <a:prstGeom prst="rect">
+            <a:avLst/>
+          </a:prstGeom>
+          <a:noFill/>
+          <a:ln w="9525">
+            <a:noFill/>
+            <a:miter lim="800000"/>
+            <a:headEnd/>
+            <a:tailEnd/>
+          </a:ln>
+        </p:spPr>
+        <p:txBody>
+          <a:bodyPr lIns="128583" tIns="64291" rIns="128583" bIns="64291">
+            <a:spAutoFit/>
+          </a:bodyPr>
+          <a:lstStyle/>
+          <a:p>
+            <a:r>
+              <a:rPr lang="zh-CN" altLang="en-US" sz="3400">
+                <a:solidFill>
+                  <a:schemeClr val="bg1"/>
+                </a:solidFill>
+                <a:latin typeface="微软雅黑" charset="-122"/>
+                <a:ea typeface="微软雅黑" charset="-122"/>
+              </a:rPr>
+              <a:t>马恩对空想社会主义的一段评价</a:t>
+            </a:r>
+          </a:p>
+        </p:txBody>
+      </p:sp>
+      <p:sp>
+        <p:nvSpPr>
+          <p:cNvPr id="41990" name="矩形 10"/>
+          <p:cNvSpPr>
+            <a:spLocks noChangeArrowheads="1"/>
+          </p:cNvSpPr>
+          <p:nvPr/>
+        </p:nvSpPr>
+        <p:spPr bwMode="auto">
+          <a:xfrm>
+            <a:off x="681512" y="427486"/>
+            <a:ext cx="11541621" cy="6223814"/>
+          </a:xfrm>
+          <a:prstGeom prst="rect">
+            <a:avLst/>
+          </a:prstGeom>
+          <a:noFill/>
+          <a:ln w="9525">
+            <a:noFill/>
+            <a:miter lim="800000"/>
+            <a:headEnd/>
+            <a:tailEnd/>
+          </a:ln>
+        </p:spPr>
+        <p:txBody>
+          <a:bodyPr lIns="128583" tIns="64291" rIns="128583" bIns="64291">
+            <a:spAutoFit/>
+          </a:bodyPr>
+          <a:lstStyle/>
+          <a:p>
+            <a:pPr algn="just">
+              <a:lnSpc>
+                <a:spcPct val="150000"/>
+              </a:lnSpc>
+            </a:pPr>
+            <a:r>
+              <a:rPr lang="zh-CN" altLang="en-US" sz="2400" dirty="0">
+                <a:latin typeface="Times New Roman" pitchFamily="18" charset="0"/>
+                <a:ea typeface="微软雅黑" charset="-122"/>
+                <a:cs typeface="Times New Roman" pitchFamily="18" charset="0"/>
+              </a:rPr>
+              <a:t>圣西门、傅立叶和欧文虽然看到了资本主义社会中的斗争，但是他们企图超越阶级对立，</a:t>
+            </a:r>
+            <a:r>
+              <a:rPr lang="zh-CN" altLang="en-US" sz="2400" dirty="0">
+                <a:solidFill>
+                  <a:srgbClr val="FF0000"/>
+                </a:solidFill>
+                <a:latin typeface="Times New Roman" pitchFamily="18" charset="0"/>
+                <a:ea typeface="微软雅黑" charset="-122"/>
+                <a:cs typeface="Times New Roman" pitchFamily="18" charset="0"/>
+              </a:rPr>
+              <a:t>通过说服教育、示范等方法来建立诚信、和谐社会制度</a:t>
+            </a:r>
+            <a:r>
+              <a:rPr lang="zh-CN" altLang="en-US" sz="2400" dirty="0">
+                <a:latin typeface="Times New Roman" pitchFamily="18" charset="0"/>
+                <a:ea typeface="微软雅黑" charset="-122"/>
+                <a:cs typeface="Times New Roman" pitchFamily="18" charset="0"/>
+              </a:rPr>
+              <a:t>，否定阶级斗争和无产阶级行动。</a:t>
+            </a:r>
+          </a:p>
+          <a:p>
+            <a:pPr algn="just">
+              <a:lnSpc>
+                <a:spcPct val="150000"/>
+              </a:lnSpc>
+            </a:pPr>
+            <a:endParaRPr lang="zh-CN" altLang="en-US" sz="2400" dirty="0">
+              <a:latin typeface="Times New Roman" pitchFamily="18" charset="0"/>
+              <a:ea typeface="微软雅黑" charset="-122"/>
+              <a:cs typeface="Times New Roman" pitchFamily="18" charset="0"/>
+            </a:endParaRPr>
+          </a:p>
+          <a:p>
+            <a:pPr algn="just">
+              <a:lnSpc>
+                <a:spcPct val="150000"/>
+              </a:lnSpc>
+            </a:pPr>
+            <a:endParaRPr lang="zh-CN" altLang="en-US" sz="2400" dirty="0">
+              <a:latin typeface="Times New Roman" pitchFamily="18" charset="0"/>
+              <a:ea typeface="微软雅黑" charset="-122"/>
+              <a:cs typeface="Times New Roman" pitchFamily="18" charset="0"/>
+            </a:endParaRPr>
+          </a:p>
+          <a:p>
+            <a:pPr algn="just">
+              <a:lnSpc>
+                <a:spcPct val="150000"/>
+              </a:lnSpc>
+            </a:pPr>
+            <a:r>
+              <a:rPr lang="zh-CN" altLang="en-US" sz="2400" dirty="0">
+                <a:latin typeface="Times New Roman" pitchFamily="18" charset="0"/>
+                <a:ea typeface="微软雅黑" charset="-122"/>
+                <a:cs typeface="Times New Roman" pitchFamily="18" charset="0"/>
+              </a:rPr>
+              <a:t>那时无产阶级对资产阶级斗争还处于很不发展的</a:t>
+            </a:r>
+            <a:r>
+              <a:rPr lang="zh-CN" altLang="en-US" sz="2400" dirty="0">
+                <a:solidFill>
+                  <a:srgbClr val="FF0000"/>
+                </a:solidFill>
+                <a:latin typeface="Times New Roman" pitchFamily="18" charset="0"/>
+                <a:ea typeface="微软雅黑" charset="-122"/>
+                <a:cs typeface="Times New Roman" pitchFamily="18" charset="0"/>
+              </a:rPr>
+              <a:t>自发斗争</a:t>
+            </a:r>
+            <a:r>
+              <a:rPr lang="zh-CN" altLang="en-US" sz="2400" dirty="0">
+                <a:latin typeface="Times New Roman" pitchFamily="18" charset="0"/>
+                <a:ea typeface="微软雅黑" charset="-122"/>
+                <a:cs typeface="Times New Roman" pitchFamily="18" charset="0"/>
+              </a:rPr>
+              <a:t>时期，无产阶级还未开展有组织的政治斗争，空想社会主义者不可能看到阶级斗争和无产阶级革命行动的伟大意义，同时由于他们的阶级局限性，</a:t>
+            </a:r>
+            <a:r>
+              <a:rPr lang="zh-CN" altLang="en-US" sz="2400" dirty="0">
+                <a:solidFill>
+                  <a:srgbClr val="FF0000"/>
+                </a:solidFill>
+                <a:latin typeface="Times New Roman" pitchFamily="18" charset="0"/>
+                <a:ea typeface="微软雅黑" charset="-122"/>
+                <a:cs typeface="Times New Roman" pitchFamily="18" charset="0"/>
+              </a:rPr>
+              <a:t>他们认为，他们的计划对所有人都是有利的，</a:t>
+            </a:r>
+            <a:r>
+              <a:rPr lang="zh-CN" altLang="en-US" sz="2400" dirty="0">
+                <a:latin typeface="Times New Roman" pitchFamily="18" charset="0"/>
+                <a:ea typeface="微软雅黑" charset="-122"/>
+                <a:cs typeface="Times New Roman" pitchFamily="18" charset="0"/>
+              </a:rPr>
+              <a:t>只要通过宣传，就可以使包括统治阶级在内的所有人都接受他们的主张，从而建立未来美好的社会。</a:t>
+            </a:r>
+            <a:r>
+              <a:rPr lang="zh-CN" altLang="en-US" sz="2400" i="1" dirty="0">
+                <a:latin typeface="Times New Roman" pitchFamily="18" charset="0"/>
+                <a:ea typeface="微软雅黑" charset="-122"/>
+                <a:cs typeface="Times New Roman" pitchFamily="18" charset="0"/>
+              </a:rPr>
+              <a:t>比如傅立叶认为推行自己的社会实验、建立一个和谐的“法郎吉”社会需要富人慷慨解囊。</a:t>
+            </a:r>
+          </a:p>
+        </p:txBody>
+      </p:sp>
+    </p:spTree>
+    <p:extLst>
+      <p:ext uri="{BB962C8B-B14F-4D97-AF65-F5344CB8AC3E}">
+        <p14:creationId xmlns:p14="http://schemas.microsoft.com/office/powerpoint/2010/main" val="2977129990"/>
+      </p:ext>
+    </p:extLst>
+  </p:cSld>
+  <p:clrMapOvr>
+    <a:masterClrMapping/>
+  </p:clrMapOvr>
+  <p:transition spd="med">
+    <p:fade/>
+  </p:transition>
+</p:sld>
+</file>
+
 <file path=ppt/tags/tag1.xml><?xml version="1.0" encoding="utf-8"?>
 <p:tagLst xmlns:a="http://schemas.openxmlformats.org/drawingml/2006/main" xmlns:r="http://schemas.openxmlformats.org/officeDocument/2006/relationships" xmlns:p="http://schemas.openxmlformats.org/presentationml/2006/main">
   <p:tag name="ISPRING_ULTRA_SCORM_COURSE_ID" val="9E7965BD-BA7C-4284-B303-3DF26FF20985"/>
@@ -20391,26 +20156,11 @@
 
 <file path=ppt/tags/tag16.xml><?xml version="1.0" encoding="utf-8"?>
 <p:tagLst xmlns:a="http://schemas.openxmlformats.org/drawingml/2006/main" xmlns:r="http://schemas.openxmlformats.org/officeDocument/2006/relationships" xmlns:p="http://schemas.openxmlformats.org/presentationml/2006/main">
-  <p:tag name="MH" val="20161022204031"/>
-  <p:tag name="MH_LIBRARY" val="GRAPHIC"/>
-</p:tagLst>
-</file>
-
-<file path=ppt/tags/tag17.xml><?xml version="1.0" encoding="utf-8"?>
-<p:tagLst xmlns:a="http://schemas.openxmlformats.org/drawingml/2006/main" xmlns:r="http://schemas.openxmlformats.org/officeDocument/2006/relationships" xmlns:p="http://schemas.openxmlformats.org/presentationml/2006/main">
   <p:tag name="MH" val="20160830110146"/>
   <p:tag name="MH_LIBRARY" val="CONTENTS"/>
   <p:tag name="MH_TYPE" val="ENTRY"/>
   <p:tag name="ID" val="553512"/>
   <p:tag name="MH_ORDER" val="1"/>
-</p:tagLst>
-</file>
-
-<file path=ppt/tags/tag18.xml><?xml version="1.0" encoding="utf-8"?>
-<p:tagLst xmlns:a="http://schemas.openxmlformats.org/drawingml/2006/main" xmlns:r="http://schemas.openxmlformats.org/officeDocument/2006/relationships" xmlns:p="http://schemas.openxmlformats.org/presentationml/2006/main">
-  <p:tag name="MH" val="20161022204031"/>
-  <p:tag name="MH_LIBRARY" val="GRAPHIC"/>
-  <p:tag name="MH_ORDER" val="Straight Connector 6"/>
 </p:tagLst>
 </file>
 
